--- a/문서/UI디자인/UI디자인.pptx
+++ b/문서/UI디자인/UI디자인.pptx
@@ -262,7 +262,7 @@
           <a:p>
             <a:fld id="{D5B262F4-FB50-4F41-8AED-2AA51BDF7B8D}" type="datetimeFigureOut">
               <a:rPr lang="ko-KR" altLang="en-US" smtClean="0"/>
-              <a:t>2019-09-02</a:t>
+              <a:t>2019-09-11</a:t>
             </a:fld>
             <a:endParaRPr lang="ko-KR" altLang="en-US"/>
           </a:p>
@@ -460,7 +460,7 @@
           <a:p>
             <a:fld id="{D5B262F4-FB50-4F41-8AED-2AA51BDF7B8D}" type="datetimeFigureOut">
               <a:rPr lang="ko-KR" altLang="en-US" smtClean="0"/>
-              <a:t>2019-09-02</a:t>
+              <a:t>2019-09-11</a:t>
             </a:fld>
             <a:endParaRPr lang="ko-KR" altLang="en-US"/>
           </a:p>
@@ -668,7 +668,7 @@
           <a:p>
             <a:fld id="{D5B262F4-FB50-4F41-8AED-2AA51BDF7B8D}" type="datetimeFigureOut">
               <a:rPr lang="ko-KR" altLang="en-US" smtClean="0"/>
-              <a:t>2019-09-02</a:t>
+              <a:t>2019-09-11</a:t>
             </a:fld>
             <a:endParaRPr lang="ko-KR" altLang="en-US"/>
           </a:p>
@@ -866,7 +866,7 @@
           <a:p>
             <a:fld id="{D5B262F4-FB50-4F41-8AED-2AA51BDF7B8D}" type="datetimeFigureOut">
               <a:rPr lang="ko-KR" altLang="en-US" smtClean="0"/>
-              <a:t>2019-09-02</a:t>
+              <a:t>2019-09-11</a:t>
             </a:fld>
             <a:endParaRPr lang="ko-KR" altLang="en-US"/>
           </a:p>
@@ -1141,7 +1141,7 @@
           <a:p>
             <a:fld id="{D5B262F4-FB50-4F41-8AED-2AA51BDF7B8D}" type="datetimeFigureOut">
               <a:rPr lang="ko-KR" altLang="en-US" smtClean="0"/>
-              <a:t>2019-09-02</a:t>
+              <a:t>2019-09-11</a:t>
             </a:fld>
             <a:endParaRPr lang="ko-KR" altLang="en-US"/>
           </a:p>
@@ -1406,7 +1406,7 @@
           <a:p>
             <a:fld id="{D5B262F4-FB50-4F41-8AED-2AA51BDF7B8D}" type="datetimeFigureOut">
               <a:rPr lang="ko-KR" altLang="en-US" smtClean="0"/>
-              <a:t>2019-09-02</a:t>
+              <a:t>2019-09-11</a:t>
             </a:fld>
             <a:endParaRPr lang="ko-KR" altLang="en-US"/>
           </a:p>
@@ -1818,7 +1818,7 @@
           <a:p>
             <a:fld id="{D5B262F4-FB50-4F41-8AED-2AA51BDF7B8D}" type="datetimeFigureOut">
               <a:rPr lang="ko-KR" altLang="en-US" smtClean="0"/>
-              <a:t>2019-09-02</a:t>
+              <a:t>2019-09-11</a:t>
             </a:fld>
             <a:endParaRPr lang="ko-KR" altLang="en-US"/>
           </a:p>
@@ -1959,7 +1959,7 @@
           <a:p>
             <a:fld id="{D5B262F4-FB50-4F41-8AED-2AA51BDF7B8D}" type="datetimeFigureOut">
               <a:rPr lang="ko-KR" altLang="en-US" smtClean="0"/>
-              <a:t>2019-09-02</a:t>
+              <a:t>2019-09-11</a:t>
             </a:fld>
             <a:endParaRPr lang="ko-KR" altLang="en-US"/>
           </a:p>
@@ -2072,7 +2072,7 @@
           <a:p>
             <a:fld id="{D5B262F4-FB50-4F41-8AED-2AA51BDF7B8D}" type="datetimeFigureOut">
               <a:rPr lang="ko-KR" altLang="en-US" smtClean="0"/>
-              <a:t>2019-09-02</a:t>
+              <a:t>2019-09-11</a:t>
             </a:fld>
             <a:endParaRPr lang="ko-KR" altLang="en-US"/>
           </a:p>
@@ -2383,7 +2383,7 @@
           <a:p>
             <a:fld id="{D5B262F4-FB50-4F41-8AED-2AA51BDF7B8D}" type="datetimeFigureOut">
               <a:rPr lang="ko-KR" altLang="en-US" smtClean="0"/>
-              <a:t>2019-09-02</a:t>
+              <a:t>2019-09-11</a:t>
             </a:fld>
             <a:endParaRPr lang="ko-KR" altLang="en-US"/>
           </a:p>
@@ -2671,7 +2671,7 @@
           <a:p>
             <a:fld id="{D5B262F4-FB50-4F41-8AED-2AA51BDF7B8D}" type="datetimeFigureOut">
               <a:rPr lang="ko-KR" altLang="en-US" smtClean="0"/>
-              <a:t>2019-09-02</a:t>
+              <a:t>2019-09-11</a:t>
             </a:fld>
             <a:endParaRPr lang="ko-KR" altLang="en-US"/>
           </a:p>
@@ -2912,7 +2912,7 @@
           <a:p>
             <a:fld id="{D5B262F4-FB50-4F41-8AED-2AA51BDF7B8D}" type="datetimeFigureOut">
               <a:rPr lang="ko-KR" altLang="en-US" smtClean="0"/>
-              <a:t>2019-09-02</a:t>
+              <a:t>2019-09-11</a:t>
             </a:fld>
             <a:endParaRPr lang="ko-KR" altLang="en-US"/>
           </a:p>
@@ -4846,6 +4846,189 @@
           <a:chExt cx="0" cy="0"/>
         </a:xfrm>
       </p:grpSpPr>
+      <p:grpSp>
+        <p:nvGrpSpPr>
+          <p:cNvPr id="4" name="그룹 3">
+            <a:extLst>
+              <a:ext uri="{FF2B5EF4-FFF2-40B4-BE49-F238E27FC236}">
+                <a16:creationId xmlns:a16="http://schemas.microsoft.com/office/drawing/2014/main" id="{AB7E83D2-C8DA-49FA-82FE-DE98DF80B58E}"/>
+              </a:ext>
+            </a:extLst>
+          </p:cNvPr>
+          <p:cNvGrpSpPr/>
+          <p:nvPr/>
+        </p:nvGrpSpPr>
+        <p:grpSpPr>
+          <a:xfrm>
+            <a:off x="506252" y="1059863"/>
+            <a:ext cx="7248292" cy="3056852"/>
+            <a:chOff x="319429" y="2135541"/>
+            <a:chExt cx="3295346" cy="1389759"/>
+          </a:xfrm>
+        </p:grpSpPr>
+        <p:pic>
+          <p:nvPicPr>
+            <p:cNvPr id="25" name="그림 개체 틀 3">
+              <a:extLst>
+                <a:ext uri="{FF2B5EF4-FFF2-40B4-BE49-F238E27FC236}">
+                  <a16:creationId xmlns:a16="http://schemas.microsoft.com/office/drawing/2014/main" id="{B6D95516-6803-4B31-BA84-FA388EBA00B1}"/>
+                </a:ext>
+              </a:extLst>
+            </p:cNvPr>
+            <p:cNvPicPr>
+              <a:picLocks noChangeAspect="1"/>
+            </p:cNvPicPr>
+            <p:nvPr/>
+          </p:nvPicPr>
+          <p:blipFill>
+            <a:blip r:embed="rId2" cstate="print">
+              <a:extLst>
+                <a:ext uri="{28A0092B-C50C-407E-A947-70E740481C1C}">
+                  <a14:useLocalDpi xmlns:a14="http://schemas.microsoft.com/office/drawing/2010/main" val="0"/>
+                </a:ext>
+              </a:extLst>
+            </a:blip>
+            <a:srcRect/>
+            <a:stretch/>
+          </p:blipFill>
+          <p:spPr>
+            <a:xfrm>
+              <a:off x="319429" y="2728064"/>
+              <a:ext cx="675612" cy="641972"/>
+            </a:xfrm>
+            <a:prstGeom prst="ellipse">
+              <a:avLst/>
+            </a:prstGeom>
+          </p:spPr>
+        </p:pic>
+        <p:pic>
+          <p:nvPicPr>
+            <p:cNvPr id="26" name="그림 25">
+              <a:extLst>
+                <a:ext uri="{FF2B5EF4-FFF2-40B4-BE49-F238E27FC236}">
+                  <a16:creationId xmlns:a16="http://schemas.microsoft.com/office/drawing/2014/main" id="{FF8F5726-C02B-4D20-A80B-F9BE89156459}"/>
+                </a:ext>
+              </a:extLst>
+            </p:cNvPr>
+            <p:cNvPicPr>
+              <a:picLocks noChangeAspect="1"/>
+            </p:cNvPicPr>
+            <p:nvPr/>
+          </p:nvPicPr>
+          <p:blipFill>
+            <a:blip r:embed="rId3">
+              <a:extLst>
+                <a:ext uri="{28A0092B-C50C-407E-A947-70E740481C1C}">
+                  <a14:useLocalDpi xmlns:a14="http://schemas.microsoft.com/office/drawing/2010/main" val="0"/>
+                </a:ext>
+              </a:extLst>
+            </a:blip>
+            <a:stretch>
+              <a:fillRect/>
+            </a:stretch>
+          </p:blipFill>
+          <p:spPr>
+            <a:xfrm flipH="1">
+              <a:off x="757275" y="2572800"/>
+              <a:ext cx="2857500" cy="952500"/>
+            </a:xfrm>
+            <a:prstGeom prst="rect">
+              <a:avLst/>
+            </a:prstGeom>
+          </p:spPr>
+        </p:pic>
+        <p:pic>
+          <p:nvPicPr>
+            <p:cNvPr id="27" name="그래픽 26" descr="손 보호">
+              <a:extLst>
+                <a:ext uri="{FF2B5EF4-FFF2-40B4-BE49-F238E27FC236}">
+                  <a16:creationId xmlns:a16="http://schemas.microsoft.com/office/drawing/2014/main" id="{A3D597C7-93B2-4EC2-A0E3-983E137B6ED0}"/>
+                </a:ext>
+              </a:extLst>
+            </p:cNvPr>
+            <p:cNvPicPr>
+              <a:picLocks noChangeAspect="1"/>
+            </p:cNvPicPr>
+            <p:nvPr/>
+          </p:nvPicPr>
+          <p:blipFill>
+            <a:blip r:embed="rId4">
+              <a:extLst>
+                <a:ext uri="{28A0092B-C50C-407E-A947-70E740481C1C}">
+                  <a14:useLocalDpi xmlns:a14="http://schemas.microsoft.com/office/drawing/2010/main" val="0"/>
+                </a:ext>
+                <a:ext uri="{96DAC541-7B7A-43D3-8B79-37D633B846F1}">
+                  <asvg:svgBlip xmlns:asvg="http://schemas.microsoft.com/office/drawing/2016/SVG/main" r:embed="rId5"/>
+                </a:ext>
+              </a:extLst>
+            </a:blip>
+            <a:stretch>
+              <a:fillRect/>
+            </a:stretch>
+          </p:blipFill>
+          <p:spPr>
+            <a:xfrm rot="2700000">
+              <a:off x="2876032" y="2161778"/>
+              <a:ext cx="419632" cy="419632"/>
+            </a:xfrm>
+            <a:prstGeom prst="rect">
+              <a:avLst/>
+            </a:prstGeom>
+          </p:spPr>
+        </p:pic>
+        <p:sp>
+          <p:nvSpPr>
+            <p:cNvPr id="28" name="사각형: 둥근 모서리 27">
+              <a:extLst>
+                <a:ext uri="{FF2B5EF4-FFF2-40B4-BE49-F238E27FC236}">
+                  <a16:creationId xmlns:a16="http://schemas.microsoft.com/office/drawing/2014/main" id="{C75F439F-BD73-4D55-97E9-901DB33B511E}"/>
+                </a:ext>
+              </a:extLst>
+            </p:cNvPr>
+            <p:cNvSpPr/>
+            <p:nvPr/>
+          </p:nvSpPr>
+          <p:spPr>
+            <a:xfrm>
+              <a:off x="2769330" y="2135541"/>
+              <a:ext cx="565928" cy="502404"/>
+            </a:xfrm>
+            <a:prstGeom prst="roundRect">
+              <a:avLst/>
+            </a:prstGeom>
+            <a:noFill/>
+            <a:ln w="28575">
+              <a:solidFill>
+                <a:schemeClr val="tx1"/>
+              </a:solidFill>
+            </a:ln>
+          </p:spPr>
+          <p:style>
+            <a:lnRef idx="2">
+              <a:schemeClr val="accent1">
+                <a:shade val="50000"/>
+              </a:schemeClr>
+            </a:lnRef>
+            <a:fillRef idx="1">
+              <a:schemeClr val="accent1"/>
+            </a:fillRef>
+            <a:effectRef idx="0">
+              <a:schemeClr val="accent1"/>
+            </a:effectRef>
+            <a:fontRef idx="minor">
+              <a:schemeClr val="lt1"/>
+            </a:fontRef>
+          </p:style>
+          <p:txBody>
+            <a:bodyPr rtlCol="0" anchor="ctr"/>
+            <a:lstStyle/>
+            <a:p>
+              <a:pPr algn="ctr"/>
+              <a:endParaRPr lang="ko-KR" altLang="en-US"/>
+            </a:p>
+          </p:txBody>
+        </p:sp>
+      </p:grpSp>
       <p:graphicFrame>
         <p:nvGraphicFramePr>
           <p:cNvPr id="2" name="표 1">
@@ -5750,42 +5933,6 @@
           </a:graphicData>
         </a:graphic>
       </p:graphicFrame>
-      <p:pic>
-        <p:nvPicPr>
-          <p:cNvPr id="20" name="그림 19">
-            <a:extLst>
-              <a:ext uri="{FF2B5EF4-FFF2-40B4-BE49-F238E27FC236}">
-                <a16:creationId xmlns:a16="http://schemas.microsoft.com/office/drawing/2014/main" id="{A2AFABA5-2C6E-40A0-84BE-1082582643F4}"/>
-              </a:ext>
-            </a:extLst>
-          </p:cNvPr>
-          <p:cNvPicPr>
-            <a:picLocks noChangeAspect="1"/>
-          </p:cNvPicPr>
-          <p:nvPr/>
-        </p:nvPicPr>
-        <p:blipFill>
-          <a:blip r:embed="rId2">
-            <a:extLst>
-              <a:ext uri="{28A0092B-C50C-407E-A947-70E740481C1C}">
-                <a14:useLocalDpi xmlns:a14="http://schemas.microsoft.com/office/drawing/2010/main" val="0"/>
-              </a:ext>
-            </a:extLst>
-          </a:blip>
-          <a:stretch>
-            <a:fillRect/>
-          </a:stretch>
-        </p:blipFill>
-        <p:spPr>
-          <a:xfrm>
-            <a:off x="2796330" y="2312974"/>
-            <a:ext cx="4546832" cy="2120608"/>
-          </a:xfrm>
-          <a:prstGeom prst="rect">
-            <a:avLst/>
-          </a:prstGeom>
-        </p:spPr>
-      </p:pic>
       <p:sp>
         <p:nvSpPr>
           <p:cNvPr id="19" name="타원 18">
@@ -5854,49 +6001,6 @@
       </p:sp>
       <p:sp>
         <p:nvSpPr>
-          <p:cNvPr id="21" name="TextBox 20">
-            <a:extLst>
-              <a:ext uri="{FF2B5EF4-FFF2-40B4-BE49-F238E27FC236}">
-                <a16:creationId xmlns:a16="http://schemas.microsoft.com/office/drawing/2014/main" id="{41AA2517-5BB7-4AC4-85CE-79C2C442E6CC}"/>
-              </a:ext>
-            </a:extLst>
-          </p:cNvPr>
-          <p:cNvSpPr txBox="1"/>
-          <p:nvPr/>
-        </p:nvSpPr>
-        <p:spPr>
-          <a:xfrm>
-            <a:off x="3106894" y="2498726"/>
-            <a:ext cx="3416320" cy="646331"/>
-          </a:xfrm>
-          <a:prstGeom prst="rect">
-            <a:avLst/>
-          </a:prstGeom>
-          <a:noFill/>
-        </p:spPr>
-        <p:txBody>
-          <a:bodyPr wrap="none" rtlCol="0">
-            <a:spAutoFit/>
-          </a:bodyPr>
-          <a:lstStyle/>
-          <a:p>
-            <a:r>
-              <a:rPr lang="ko-KR" altLang="en-US" dirty="0" err="1"/>
-              <a:t>가나다라마바사아자차카타파하</a:t>
-            </a:r>
-            <a:endParaRPr lang="en-US" altLang="ko-KR" dirty="0"/>
-          </a:p>
-          <a:p>
-            <a:r>
-              <a:rPr lang="en-US" altLang="ko-KR" dirty="0"/>
-              <a:t>ABCDEFGHIJKLMNOP</a:t>
-            </a:r>
-            <a:endParaRPr lang="ko-KR" altLang="en-US" dirty="0"/>
-          </a:p>
-        </p:txBody>
-      </p:sp>
-      <p:sp>
-        <p:nvSpPr>
           <p:cNvPr id="22" name="타원 21">
             <a:extLst>
               <a:ext uri="{FF2B5EF4-FFF2-40B4-BE49-F238E27FC236}">
@@ -6104,188 +6208,6 @@
           </a:p>
         </p:txBody>
       </p:sp>
-      <p:pic>
-        <p:nvPicPr>
-          <p:cNvPr id="5" name="그래픽 4" descr="손 보호">
-            <a:extLst>
-              <a:ext uri="{FF2B5EF4-FFF2-40B4-BE49-F238E27FC236}">
-                <a16:creationId xmlns:a16="http://schemas.microsoft.com/office/drawing/2014/main" id="{039C278E-ACEC-431A-935D-2B1723111675}"/>
-              </a:ext>
-            </a:extLst>
-          </p:cNvPr>
-          <p:cNvPicPr>
-            <a:picLocks noChangeAspect="1"/>
-          </p:cNvPicPr>
-          <p:nvPr/>
-        </p:nvPicPr>
-        <p:blipFill>
-          <a:blip r:embed="rId3">
-            <a:extLst>
-              <a:ext uri="{28A0092B-C50C-407E-A947-70E740481C1C}">
-                <a14:useLocalDpi xmlns:a14="http://schemas.microsoft.com/office/drawing/2010/main" val="0"/>
-              </a:ext>
-              <a:ext uri="{96DAC541-7B7A-43D3-8B79-37D633B846F1}">
-                <asvg:svgBlip xmlns:asvg="http://schemas.microsoft.com/office/drawing/2016/SVG/main" r:embed="rId4"/>
-              </a:ext>
-            </a:extLst>
-          </a:blip>
-          <a:stretch>
-            <a:fillRect/>
-          </a:stretch>
-        </p:blipFill>
-        <p:spPr>
-          <a:xfrm rot="2700000">
-            <a:off x="6179115" y="1098116"/>
-            <a:ext cx="914400" cy="914400"/>
-          </a:xfrm>
-          <a:prstGeom prst="rect">
-            <a:avLst/>
-          </a:prstGeom>
-        </p:spPr>
-      </p:pic>
-      <p:sp>
-        <p:nvSpPr>
-          <p:cNvPr id="8" name="사각형: 둥근 모서리 7">
-            <a:extLst>
-              <a:ext uri="{FF2B5EF4-FFF2-40B4-BE49-F238E27FC236}">
-                <a16:creationId xmlns:a16="http://schemas.microsoft.com/office/drawing/2014/main" id="{2D340475-DE62-49F9-A91A-974DE774AF9D}"/>
-              </a:ext>
-            </a:extLst>
-          </p:cNvPr>
-          <p:cNvSpPr/>
-          <p:nvPr/>
-        </p:nvSpPr>
-        <p:spPr>
-          <a:xfrm>
-            <a:off x="5986170" y="953874"/>
-            <a:ext cx="1233181" cy="1233181"/>
-          </a:xfrm>
-          <a:prstGeom prst="roundRect">
-            <a:avLst/>
-          </a:prstGeom>
-          <a:noFill/>
-          <a:ln w="28575">
-            <a:solidFill>
-              <a:schemeClr val="tx1"/>
-            </a:solidFill>
-          </a:ln>
-        </p:spPr>
-        <p:style>
-          <a:lnRef idx="2">
-            <a:schemeClr val="accent1">
-              <a:shade val="50000"/>
-            </a:schemeClr>
-          </a:lnRef>
-          <a:fillRef idx="1">
-            <a:schemeClr val="accent1"/>
-          </a:fillRef>
-          <a:effectRef idx="0">
-            <a:schemeClr val="accent1"/>
-          </a:effectRef>
-          <a:fontRef idx="minor">
-            <a:schemeClr val="lt1"/>
-          </a:fontRef>
-        </p:style>
-        <p:txBody>
-          <a:bodyPr rtlCol="0" anchor="ctr"/>
-          <a:lstStyle/>
-          <a:p>
-            <a:pPr algn="ctr"/>
-            <a:endParaRPr lang="ko-KR" altLang="en-US"/>
-          </a:p>
-        </p:txBody>
-      </p:sp>
-      <p:sp>
-        <p:nvSpPr>
-          <p:cNvPr id="9" name="타원 8">
-            <a:extLst>
-              <a:ext uri="{FF2B5EF4-FFF2-40B4-BE49-F238E27FC236}">
-                <a16:creationId xmlns:a16="http://schemas.microsoft.com/office/drawing/2014/main" id="{7CCB8D12-29E6-45A6-A5BA-858357E20F97}"/>
-              </a:ext>
-            </a:extLst>
-          </p:cNvPr>
-          <p:cNvSpPr/>
-          <p:nvPr/>
-        </p:nvSpPr>
-        <p:spPr>
-          <a:xfrm>
-            <a:off x="995494" y="2249858"/>
-            <a:ext cx="1677798" cy="1677798"/>
-          </a:xfrm>
-          <a:prstGeom prst="ellipse">
-            <a:avLst/>
-          </a:prstGeom>
-          <a:noFill/>
-          <a:ln w="28575">
-            <a:solidFill>
-              <a:schemeClr val="tx1"/>
-            </a:solidFill>
-          </a:ln>
-        </p:spPr>
-        <p:style>
-          <a:lnRef idx="2">
-            <a:schemeClr val="accent1">
-              <a:shade val="50000"/>
-            </a:schemeClr>
-          </a:lnRef>
-          <a:fillRef idx="1">
-            <a:schemeClr val="accent1"/>
-          </a:fillRef>
-          <a:effectRef idx="0">
-            <a:schemeClr val="accent1"/>
-          </a:effectRef>
-          <a:fontRef idx="minor">
-            <a:schemeClr val="lt1"/>
-          </a:fontRef>
-        </p:style>
-        <p:txBody>
-          <a:bodyPr rtlCol="0" anchor="ctr"/>
-          <a:lstStyle/>
-          <a:p>
-            <a:pPr algn="ctr"/>
-            <a:endParaRPr lang="ko-KR" altLang="en-US"/>
-          </a:p>
-        </p:txBody>
-      </p:sp>
-      <p:pic>
-        <p:nvPicPr>
-          <p:cNvPr id="16" name="그래픽 15" descr="채우기 없는 천사 얼굴">
-            <a:extLst>
-              <a:ext uri="{FF2B5EF4-FFF2-40B4-BE49-F238E27FC236}">
-                <a16:creationId xmlns:a16="http://schemas.microsoft.com/office/drawing/2014/main" id="{ABA9EDBB-E5AB-43CE-99C7-F66E68B22895}"/>
-              </a:ext>
-            </a:extLst>
-          </p:cNvPr>
-          <p:cNvPicPr>
-            <a:picLocks noChangeAspect="1"/>
-          </p:cNvPicPr>
-          <p:nvPr/>
-        </p:nvPicPr>
-        <p:blipFill>
-          <a:blip r:embed="rId5">
-            <a:extLst>
-              <a:ext uri="{28A0092B-C50C-407E-A947-70E740481C1C}">
-                <a14:useLocalDpi xmlns:a14="http://schemas.microsoft.com/office/drawing/2010/main" val="0"/>
-              </a:ext>
-              <a:ext uri="{96DAC541-7B7A-43D3-8B79-37D633B846F1}">
-                <asvg:svgBlip xmlns:asvg="http://schemas.microsoft.com/office/drawing/2016/SVG/main" r:embed="rId6"/>
-              </a:ext>
-            </a:extLst>
-          </a:blip>
-          <a:stretch>
-            <a:fillRect/>
-          </a:stretch>
-        </p:blipFill>
-        <p:spPr>
-          <a:xfrm>
-            <a:off x="1379989" y="2687857"/>
-            <a:ext cx="914400" cy="914400"/>
-          </a:xfrm>
-          <a:prstGeom prst="rect">
-            <a:avLst/>
-          </a:prstGeom>
-        </p:spPr>
-      </p:pic>
       <p:sp>
         <p:nvSpPr>
           <p:cNvPr id="23" name="타원 22">
@@ -6418,6 +6340,65 @@
           </a:p>
         </p:txBody>
       </p:sp>
+      <p:sp>
+        <p:nvSpPr>
+          <p:cNvPr id="21" name="TextBox 20">
+            <a:extLst>
+              <a:ext uri="{FF2B5EF4-FFF2-40B4-BE49-F238E27FC236}">
+                <a16:creationId xmlns:a16="http://schemas.microsoft.com/office/drawing/2014/main" id="{41AA2517-5BB7-4AC4-85CE-79C2C442E6CC}"/>
+              </a:ext>
+            </a:extLst>
+          </p:cNvPr>
+          <p:cNvSpPr txBox="1"/>
+          <p:nvPr/>
+        </p:nvSpPr>
+        <p:spPr>
+          <a:xfrm>
+            <a:off x="3106894" y="2498726"/>
+            <a:ext cx="3416320" cy="646331"/>
+          </a:xfrm>
+          <a:prstGeom prst="rect">
+            <a:avLst/>
+          </a:prstGeom>
+          <a:noFill/>
+        </p:spPr>
+        <p:txBody>
+          <a:bodyPr wrap="none" rtlCol="0">
+            <a:spAutoFit/>
+          </a:bodyPr>
+          <a:lstStyle/>
+          <a:p>
+            <a:r>
+              <a:rPr lang="ko-KR" altLang="en-US" dirty="0" err="1">
+                <a:solidFill>
+                  <a:schemeClr val="bg1"/>
+                </a:solidFill>
+              </a:rPr>
+              <a:t>가나다라마바사아자차카타파하</a:t>
+            </a:r>
+            <a:endParaRPr lang="en-US" altLang="ko-KR" dirty="0">
+              <a:solidFill>
+                <a:schemeClr val="bg1"/>
+              </a:solidFill>
+            </a:endParaRPr>
+          </a:p>
+          <a:p>
+            <a:r>
+              <a:rPr lang="en-US" altLang="ko-KR" dirty="0">
+                <a:solidFill>
+                  <a:schemeClr val="bg1"/>
+                </a:solidFill>
+              </a:rPr>
+              <a:t>ABCDEFGHIJKLMNOP</a:t>
+            </a:r>
+            <a:endParaRPr lang="ko-KR" altLang="en-US" dirty="0">
+              <a:solidFill>
+                <a:schemeClr val="bg1"/>
+              </a:solidFill>
+            </a:endParaRPr>
+          </a:p>
+        </p:txBody>
+      </p:sp>
     </p:spTree>
     <p:extLst>
       <p:ext uri="{BB962C8B-B14F-4D97-AF65-F5344CB8AC3E}">
@@ -6448,6 +6429,42 @@
           <a:chExt cx="0" cy="0"/>
         </a:xfrm>
       </p:grpSpPr>
+      <p:pic>
+        <p:nvPicPr>
+          <p:cNvPr id="13" name="그림 12">
+            <a:extLst>
+              <a:ext uri="{FF2B5EF4-FFF2-40B4-BE49-F238E27FC236}">
+                <a16:creationId xmlns:a16="http://schemas.microsoft.com/office/drawing/2014/main" id="{AF9394A1-64F9-4D21-A867-4A62A97CCC8C}"/>
+              </a:ext>
+            </a:extLst>
+          </p:cNvPr>
+          <p:cNvPicPr>
+            <a:picLocks noChangeAspect="1"/>
+          </p:cNvPicPr>
+          <p:nvPr/>
+        </p:nvPicPr>
+        <p:blipFill>
+          <a:blip r:embed="rId2">
+            <a:extLst>
+              <a:ext uri="{28A0092B-C50C-407E-A947-70E740481C1C}">
+                <a14:useLocalDpi xmlns:a14="http://schemas.microsoft.com/office/drawing/2010/main" val="0"/>
+              </a:ext>
+            </a:extLst>
+          </a:blip>
+          <a:stretch>
+            <a:fillRect/>
+          </a:stretch>
+        </p:blipFill>
+        <p:spPr>
+          <a:xfrm>
+            <a:off x="2059498" y="1911425"/>
+            <a:ext cx="6499968" cy="2166656"/>
+          </a:xfrm>
+          <a:prstGeom prst="rect">
+            <a:avLst/>
+          </a:prstGeom>
+        </p:spPr>
+      </p:pic>
       <p:graphicFrame>
         <p:nvGraphicFramePr>
           <p:cNvPr id="2" name="표 1">
@@ -7186,42 +7203,6 @@
           </a:graphicData>
         </a:graphic>
       </p:graphicFrame>
-      <p:pic>
-        <p:nvPicPr>
-          <p:cNvPr id="20" name="그림 19">
-            <a:extLst>
-              <a:ext uri="{FF2B5EF4-FFF2-40B4-BE49-F238E27FC236}">
-                <a16:creationId xmlns:a16="http://schemas.microsoft.com/office/drawing/2014/main" id="{A2AFABA5-2C6E-40A0-84BE-1082582643F4}"/>
-              </a:ext>
-            </a:extLst>
-          </p:cNvPr>
-          <p:cNvPicPr>
-            <a:picLocks noChangeAspect="1"/>
-          </p:cNvPicPr>
-          <p:nvPr/>
-        </p:nvPicPr>
-        <p:blipFill>
-          <a:blip r:embed="rId2">
-            <a:extLst>
-              <a:ext uri="{28A0092B-C50C-407E-A947-70E740481C1C}">
-                <a14:useLocalDpi xmlns:a14="http://schemas.microsoft.com/office/drawing/2010/main" val="0"/>
-              </a:ext>
-            </a:extLst>
-          </a:blip>
-          <a:stretch>
-            <a:fillRect/>
-          </a:stretch>
-        </p:blipFill>
-        <p:spPr>
-          <a:xfrm>
-            <a:off x="2796330" y="2312974"/>
-            <a:ext cx="4546832" cy="2120608"/>
-          </a:xfrm>
-          <a:prstGeom prst="rect">
-            <a:avLst/>
-          </a:prstGeom>
-        </p:spPr>
-      </p:pic>
       <p:sp>
         <p:nvSpPr>
           <p:cNvPr id="19" name="타원 18">
@@ -7236,7 +7217,7 @@
         </p:nvSpPr>
         <p:spPr>
           <a:xfrm>
-            <a:off x="2435603" y="1967627"/>
+            <a:off x="2145046" y="1911425"/>
             <a:ext cx="394283" cy="394283"/>
           </a:xfrm>
           <a:prstGeom prst="ellipse">
@@ -7317,17 +7298,33 @@
           <a:lstStyle/>
           <a:p>
             <a:r>
-              <a:rPr lang="ko-KR" altLang="en-US" dirty="0" err="1"/>
+              <a:rPr lang="ko-KR" altLang="en-US" dirty="0" err="1">
+                <a:solidFill>
+                  <a:schemeClr val="bg1"/>
+                </a:solidFill>
+              </a:rPr>
               <a:t>가나다라마바사아자차카타파하</a:t>
             </a:r>
-            <a:endParaRPr lang="en-US" altLang="ko-KR" dirty="0"/>
-          </a:p>
-          <a:p>
-            <a:r>
-              <a:rPr lang="en-US" altLang="ko-KR" dirty="0"/>
+            <a:endParaRPr lang="en-US" altLang="ko-KR" dirty="0">
+              <a:solidFill>
+                <a:schemeClr val="bg1"/>
+              </a:solidFill>
+            </a:endParaRPr>
+          </a:p>
+          <a:p>
+            <a:r>
+              <a:rPr lang="en-US" altLang="ko-KR" dirty="0">
+                <a:solidFill>
+                  <a:schemeClr val="bg1"/>
+                </a:solidFill>
+              </a:rPr>
               <a:t>ABCDEFGHIJKLMNOP</a:t>
             </a:r>
-            <a:endParaRPr lang="ko-KR" altLang="en-US" dirty="0"/>
+            <a:endParaRPr lang="ko-KR" altLang="en-US" dirty="0">
+              <a:solidFill>
+                <a:schemeClr val="bg1"/>
+              </a:solidFill>
+            </a:endParaRPr>
           </a:p>
         </p:txBody>
       </p:sp>
@@ -7345,7 +7342,7 @@
         </p:nvSpPr>
         <p:spPr>
           <a:xfrm>
-            <a:off x="2775529" y="2399865"/>
+            <a:off x="2775529" y="2300516"/>
             <a:ext cx="394283" cy="394283"/>
           </a:xfrm>
           <a:prstGeom prst="ellipse">
@@ -8498,10 +8495,749 @@
       </p:graphicFrame>
       <p:sp>
         <p:nvSpPr>
-          <p:cNvPr id="19" name="타원 18">
-            <a:extLst>
-              <a:ext uri="{FF2B5EF4-FFF2-40B4-BE49-F238E27FC236}">
-                <a16:creationId xmlns:a16="http://schemas.microsoft.com/office/drawing/2014/main" id="{6FA427A1-679A-44AE-A411-356F00E7FAC4}"/>
+          <p:cNvPr id="5" name="TextBox 4">
+            <a:extLst>
+              <a:ext uri="{FF2B5EF4-FFF2-40B4-BE49-F238E27FC236}">
+                <a16:creationId xmlns:a16="http://schemas.microsoft.com/office/drawing/2014/main" id="{E358A58D-9678-4366-9CE1-FB28337B2E3C}"/>
+              </a:ext>
+            </a:extLst>
+          </p:cNvPr>
+          <p:cNvSpPr txBox="1"/>
+          <p:nvPr/>
+        </p:nvSpPr>
+        <p:spPr>
+          <a:xfrm>
+            <a:off x="233558" y="5439282"/>
+            <a:ext cx="8994331" cy="738664"/>
+          </a:xfrm>
+          <a:prstGeom prst="rect">
+            <a:avLst/>
+          </a:prstGeom>
+          <a:noFill/>
+        </p:spPr>
+        <p:txBody>
+          <a:bodyPr wrap="square" rtlCol="0">
+            <a:spAutoFit/>
+          </a:bodyPr>
+          <a:lstStyle/>
+          <a:p>
+            <a:pPr marL="342900" indent="-342900">
+              <a:buAutoNum type="arabicPeriod"/>
+            </a:pPr>
+            <a:r>
+              <a:rPr lang="ko-KR" altLang="en-US" sz="1400" dirty="0"/>
+              <a:t>패널은 플레이어의 왼 손에 고정되어 붙어있다</a:t>
+            </a:r>
+            <a:r>
+              <a:rPr lang="en-US" altLang="ko-KR" sz="1400" dirty="0"/>
+              <a:t>.</a:t>
+            </a:r>
+          </a:p>
+          <a:p>
+            <a:pPr marL="342900" indent="-342900">
+              <a:buAutoNum type="arabicPeriod"/>
+            </a:pPr>
+            <a:r>
+              <a:rPr lang="ko-KR" altLang="en-US" sz="1400" dirty="0"/>
+              <a:t>버튼들은 오른 손으로 클릭한다</a:t>
+            </a:r>
+            <a:r>
+              <a:rPr lang="en-US" altLang="ko-KR" sz="1400" dirty="0"/>
+              <a:t>.</a:t>
+            </a:r>
+          </a:p>
+          <a:p>
+            <a:pPr marL="342900" indent="-342900">
+              <a:buAutoNum type="arabicPeriod"/>
+            </a:pPr>
+            <a:r>
+              <a:rPr lang="ko-KR" altLang="en-US" sz="1400" dirty="0"/>
+              <a:t>타이머는 현재 스테이지의 제한 시간을 표시한다</a:t>
+            </a:r>
+            <a:r>
+              <a:rPr lang="en-US" altLang="ko-KR" sz="1400" dirty="0"/>
+              <a:t>.</a:t>
+            </a:r>
+          </a:p>
+        </p:txBody>
+      </p:sp>
+      <p:pic>
+        <p:nvPicPr>
+          <p:cNvPr id="30" name="그림 29">
+            <a:extLst>
+              <a:ext uri="{FF2B5EF4-FFF2-40B4-BE49-F238E27FC236}">
+                <a16:creationId xmlns:a16="http://schemas.microsoft.com/office/drawing/2014/main" id="{925F5E6A-5B18-4966-8778-EEB03D80FB66}"/>
+              </a:ext>
+            </a:extLst>
+          </p:cNvPr>
+          <p:cNvPicPr>
+            <a:picLocks noChangeAspect="1"/>
+          </p:cNvPicPr>
+          <p:nvPr/>
+        </p:nvPicPr>
+        <p:blipFill rotWithShape="1">
+          <a:blip r:embed="rId2" cstate="print">
+            <a:extLst>
+              <a:ext uri="{BEBA8EAE-BF5A-486C-A8C5-ECC9F3942E4B}">
+                <a14:imgProps xmlns:a14="http://schemas.microsoft.com/office/drawing/2010/main">
+                  <a14:imgLayer r:embed="rId3">
+                    <a14:imgEffect>
+                      <a14:backgroundRemoval t="9861" b="95418" l="69538" r="96462">
+                        <a14:foregroundMark x1="70154" y1="24900" x2="70154" y2="24900"/>
+                        <a14:foregroundMark x1="72846" y1="17629" x2="72846" y2="17629"/>
+                        <a14:foregroundMark x1="78692" y1="13048" x2="78692" y2="13048"/>
+                        <a14:foregroundMark x1="77769" y1="13048" x2="77769" y2="13048"/>
+                        <a14:foregroundMark x1="76308" y1="14044" x2="76308" y2="14044"/>
+                        <a14:foregroundMark x1="76231" y1="13147" x2="76231" y2="13147"/>
+                        <a14:foregroundMark x1="77769" y1="13546" x2="82154" y2="16534"/>
+                        <a14:foregroundMark x1="82154" y1="16534" x2="87154" y2="27988"/>
+                        <a14:foregroundMark x1="87154" y1="27988" x2="87385" y2="41833"/>
+                        <a14:foregroundMark x1="78615" y1="20916" x2="81385" y2="31673"/>
+                        <a14:foregroundMark x1="88154" y1="56972" x2="88154" y2="73805"/>
+                        <a14:foregroundMark x1="87923" y1="70020" x2="84615" y2="90637"/>
+                        <a14:foregroundMark x1="73308" y1="21514" x2="73308" y2="21514"/>
+                        <a14:foregroundMark x1="73385" y1="22112" x2="73385" y2="22112"/>
+                        <a14:foregroundMark x1="85308" y1="89641" x2="83462" y2="93127"/>
+                        <a14:foregroundMark x1="80385" y1="93127" x2="79923" y2="95219"/>
+                        <a14:foregroundMark x1="93931" y1="84263" x2="93923" y2="84960"/>
+                        <a14:foregroundMark x1="93947" y1="82968" x2="93931" y2="84263"/>
+                        <a14:foregroundMark x1="94000" y1="78586" x2="93947" y2="82968"/>
+                        <a14:foregroundMark x1="94621" y1="87843" x2="95538" y2="91633"/>
+                        <a14:foregroundMark x1="95538" y1="91633" x2="94923" y2="93725"/>
+                        <a14:foregroundMark x1="85615" y1="92530" x2="85308" y2="95418"/>
+                        <a14:foregroundMark x1="87538" y1="46414" x2="90000" y2="55677"/>
+                        <a14:foregroundMark x1="90000" y1="55677" x2="90615" y2="88745"/>
+                        <a14:foregroundMark x1="89846" y1="45518" x2="92154" y2="53088"/>
+                        <a14:foregroundMark x1="92154" y1="53088" x2="92231" y2="54283"/>
+                        <a14:foregroundMark x1="91462" y1="45518" x2="92692" y2="50797"/>
+                        <a14:foregroundMark x1="88615" y1="51992" x2="89846" y2="84263"/>
+                        <a14:foregroundMark x1="89846" y1="84263" x2="91692" y2="91833"/>
+                        <a14:foregroundMark x1="91692" y1="91833" x2="92000" y2="91932"/>
+                        <a14:foregroundMark x1="91385" y1="82072" x2="93538" y2="89343"/>
+                        <a14:foregroundMark x1="93538" y1="89343" x2="93615" y2="91833"/>
+                        <a14:foregroundMark x1="91846" y1="77390" x2="94000" y2="87450"/>
+                        <a14:foregroundMark x1="91231" y1="81275" x2="92077" y2="87948"/>
+                      </a14:backgroundRemoval>
+                    </a14:imgEffect>
+                  </a14:imgLayer>
+                </a14:imgProps>
+              </a:ext>
+              <a:ext uri="{28A0092B-C50C-407E-A947-70E740481C1C}">
+                <a14:useLocalDpi xmlns:a14="http://schemas.microsoft.com/office/drawing/2010/main" val="0"/>
+              </a:ext>
+            </a:extLst>
+          </a:blip>
+          <a:srcRect l="66438" b="42010"/>
+          <a:stretch/>
+        </p:blipFill>
+        <p:spPr>
+          <a:xfrm flipH="1">
+            <a:off x="2440968" y="3520459"/>
+            <a:ext cx="1220126" cy="1628189"/>
+          </a:xfrm>
+          <a:prstGeom prst="rect">
+            <a:avLst/>
+          </a:prstGeom>
+        </p:spPr>
+      </p:pic>
+      <p:pic>
+        <p:nvPicPr>
+          <p:cNvPr id="31" name="그림 30">
+            <a:extLst>
+              <a:ext uri="{FF2B5EF4-FFF2-40B4-BE49-F238E27FC236}">
+                <a16:creationId xmlns:a16="http://schemas.microsoft.com/office/drawing/2014/main" id="{7705BDBB-E1B6-491F-AAF4-11C15D6381F9}"/>
+              </a:ext>
+            </a:extLst>
+          </p:cNvPr>
+          <p:cNvPicPr>
+            <a:picLocks noChangeAspect="1"/>
+          </p:cNvPicPr>
+          <p:nvPr/>
+        </p:nvPicPr>
+        <p:blipFill>
+          <a:blip r:embed="rId4">
+            <a:extLst>
+              <a:ext uri="{BEBA8EAE-BF5A-486C-A8C5-ECC9F3942E4B}">
+                <a14:imgProps xmlns:a14="http://schemas.microsoft.com/office/drawing/2010/main">
+                  <a14:imgLayer r:embed="rId5">
+                    <a14:imgEffect>
+                      <a14:backgroundRemoval t="0" b="98053" l="0" r="99880">
+                        <a14:foregroundMark x1="6310" y1="4486" x2="52878" y2="46903"/>
+                        <a14:foregroundMark x1="66210" y1="56917" x2="79976" y2="67257"/>
+                        <a14:foregroundMark x1="52878" y1="46903" x2="54838" y2="48375"/>
+                        <a14:foregroundMark x1="92214" y1="94822" x2="92588" y2="95664"/>
+                        <a14:foregroundMark x1="79976" y1="67257" x2="92208" y2="94807"/>
+                        <a14:foregroundMark x1="78537" y1="50265" x2="71103" y2="72743"/>
+                        <a14:foregroundMark x1="71103" y1="72743" x2="66547" y2="79115"/>
+                        <a14:foregroundMark x1="64203" y1="57013" x2="51799" y2="68319"/>
+                        <a14:foregroundMark x1="51799" y1="68319" x2="47962" y2="69735"/>
+                        <a14:foregroundMark x1="40168" y1="32389" x2="38717" y2="41719"/>
+                        <a14:foregroundMark x1="43205" y1="60344" x2="42206" y2="61593"/>
+                        <a14:foregroundMark x1="61751" y1="37168" x2="52806" y2="48346"/>
+                        <a14:foregroundMark x1="27206" y1="64100" x2="23141" y2="64779"/>
+                        <a14:foregroundMark x1="31769" y1="63337" x2="31664" y2="63355"/>
+                        <a14:foregroundMark x1="42206" y1="61593" x2="39041" y2="62122"/>
+                        <a14:foregroundMark x1="20877" y1="43570" x2="19664" y2="32212"/>
+                        <a14:foregroundMark x1="23141" y1="64779" x2="21582" y2="50175"/>
+                        <a14:foregroundMark x1="19664" y1="32212" x2="37170" y2="18761"/>
+                        <a14:foregroundMark x1="37170" y1="18761" x2="44964" y2="40000"/>
+                        <a14:foregroundMark x1="27570" y1="64986" x2="27098" y2="65664"/>
+                        <a14:foregroundMark x1="30736" y1="60438" x2="30566" y2="60682"/>
+                        <a14:foregroundMark x1="44964" y1="40000" x2="40805" y2="45974"/>
+                        <a14:foregroundMark x1="27098" y1="65664" x2="10791" y2="71327"/>
+                        <a14:foregroundMark x1="10791" y1="71327" x2="7314" y2="39292"/>
+                        <a14:foregroundMark x1="7314" y1="39292" x2="15108" y2="17522"/>
+                        <a14:foregroundMark x1="15108" y1="17522" x2="31055" y2="28850"/>
+                        <a14:foregroundMark x1="31055" y1="28850" x2="18585" y2="21062"/>
+                        <a14:foregroundMark x1="18585" y1="21062" x2="6475" y2="32920"/>
+                        <a14:foregroundMark x1="6475" y1="32920" x2="4556" y2="52743"/>
+                        <a14:foregroundMark x1="4556" y1="52743" x2="10432" y2="71858"/>
+                        <a14:foregroundMark x1="10432" y1="71858" x2="22062" y2="82832"/>
+                        <a14:foregroundMark x1="22062" y1="82832" x2="9263" y2="96645"/>
+                        <a14:foregroundMark x1="1555" y1="19433" x2="1559" y2="18230"/>
+                        <a14:foregroundMark x1="6671" y1="4309" x2="13789" y2="7080"/>
+                        <a14:foregroundMark x1="5589" y1="3888" x2="6592" y2="4278"/>
+                        <a14:foregroundMark x1="9495" y1="2196" x2="26072" y2="1682"/>
+                        <a14:foregroundMark x1="72923" y1="2122" x2="82614" y2="2301"/>
+                        <a14:foregroundMark x1="82614" y1="2301" x2="93885" y2="15221"/>
+                        <a14:foregroundMark x1="93885" y1="15221" x2="96886" y2="24351"/>
+                        <a14:foregroundMark x1="96931" y1="34539" x2="83094" y2="41593"/>
+                        <a14:foregroundMark x1="83094" y1="41593" x2="57194" y2="22655"/>
+                        <a14:foregroundMark x1="57194" y1="22655" x2="44724" y2="30265"/>
+                        <a14:foregroundMark x1="44724" y1="30265" x2="48290" y2="47710"/>
+                        <a14:foregroundMark x1="48946" y1="47802" x2="49161" y2="21947"/>
+                        <a14:foregroundMark x1="49161" y1="21947" x2="50000" y2="42301"/>
+                        <a14:foregroundMark x1="62553" y1="57092" x2="63669" y2="58407"/>
+                        <a14:foregroundMark x1="50000" y1="42301" x2="55092" y2="48300"/>
+                        <a14:foregroundMark x1="63669" y1="58407" x2="61825" y2="95675"/>
+                        <a14:foregroundMark x1="25038" y1="98474" x2="11990" y2="98938"/>
+                        <a14:foregroundMark x1="11990" y1="98938" x2="1439" y2="86018"/>
+                        <a14:foregroundMark x1="1439" y1="86018" x2="1101" y2="79027"/>
+                        <a14:foregroundMark x1="39646" y1="64464" x2="40528" y2="64425"/>
+                        <a14:foregroundMark x1="2804" y1="66092" x2="27574" y2="64997"/>
+                        <a14:foregroundMark x1="40528" y1="64425" x2="66667" y2="64425"/>
+                        <a14:foregroundMark x1="66667" y1="64425" x2="81295" y2="71327"/>
+                        <a14:foregroundMark x1="81295" y1="71327" x2="67866" y2="76283"/>
+                        <a14:foregroundMark x1="67866" y1="76283" x2="51079" y2="71504"/>
+                        <a14:foregroundMark x1="51079" y1="71504" x2="64868" y2="78407"/>
+                        <a14:foregroundMark x1="64868" y1="78407" x2="71343" y2="59646"/>
+                        <a14:foregroundMark x1="71343" y1="59646" x2="86331" y2="64956"/>
+                        <a14:foregroundMark x1="86331" y1="64956" x2="88489" y2="41770"/>
+                        <a14:foregroundMark x1="88489" y1="41770" x2="85012" y2="16460"/>
+                        <a14:foregroundMark x1="85012" y1="16460" x2="96643" y2="5310"/>
+                        <a14:foregroundMark x1="97710" y1="81364" x2="97842" y2="90796"/>
+                        <a14:foregroundMark x1="96643" y1="5310" x2="96899" y2="23560"/>
+                        <a14:foregroundMark x1="97842" y1="90796" x2="77698" y2="99115"/>
+                        <a14:foregroundMark x1="77698" y1="99115" x2="73739" y2="98562"/>
+                        <a14:foregroundMark x1="55516" y1="89735" x2="54052" y2="95810"/>
+                        <a14:foregroundMark x1="33333" y1="95752" x2="58513" y2="92566"/>
+                        <a14:foregroundMark x1="17506" y1="19115" x2="14916" y2="44875"/>
+                        <a14:foregroundMark x1="15965" y1="50243" x2="25300" y2="78584"/>
+                        <a14:foregroundMark x1="14241" y1="50055" x2="14988" y2="63009"/>
+                        <a14:foregroundMark x1="12110" y1="13097" x2="13936" y2="44769"/>
+                        <a14:foregroundMark x1="14988" y1="63009" x2="18345" y2="80177"/>
+                        <a14:foregroundMark x1="43645" y1="13628" x2="59113" y2="35398"/>
+                        <a14:foregroundMark x1="59113" y1="35398" x2="69424" y2="41947"/>
+                        <a14:foregroundMark x1="41138" y1="70238" x2="52878" y2="71150"/>
+                        <a14:foregroundMark x1="52878" y1="71150" x2="60422" y2="57193"/>
+                        <a14:foregroundMark x1="68249" y1="50523" x2="79976" y2="43186"/>
+                        <a14:foregroundMark x1="79976" y1="43186" x2="86691" y2="22301"/>
+                        <a14:foregroundMark x1="86691" y1="22301" x2="86331" y2="1062"/>
+                        <a14:foregroundMark x1="86331" y1="1062" x2="97553" y2="10966"/>
+                        <a14:foregroundMark x1="97482" y1="80430" x2="97385" y2="94500"/>
+                        <a14:foregroundMark x1="97898" y1="20531" x2="97877" y2="23550"/>
+                        <a14:foregroundMark x1="24847" y1="97668" x2="18106" y2="97699"/>
+                        <a14:foregroundMark x1="91167" y1="97365" x2="74357" y2="97442"/>
+                        <a14:foregroundMark x1="30765" y1="95150" x2="62590" y2="88496"/>
+                        <a14:foregroundMark x1="26479" y1="96046" x2="28945" y2="95530"/>
+                        <a14:foregroundMark x1="20264" y1="97345" x2="25775" y2="96192"/>
+                        <a14:foregroundMark x1="62590" y1="88496" x2="50505" y2="95871"/>
+                        <a14:foregroundMark x1="74369" y1="97420" x2="74580" y2="97522"/>
+                        <a14:foregroundMark x1="52638" y1="86903" x2="70455" y2="95526"/>
+                        <a14:foregroundMark x1="60183" y1="95704" x2="72662" y2="87788"/>
+                        <a14:foregroundMark x1="79856" y1="96637" x2="81295" y2="99292"/>
+                        <a14:foregroundMark x1="84772" y1="96106" x2="84772" y2="99823"/>
+                        <a14:foregroundMark x1="86691" y1="95752" x2="86571" y2="99646"/>
+                        <a14:foregroundMark x1="70743" y1="89735" x2="66412" y2="95596"/>
+                        <a14:foregroundMark x1="99391" y1="81073" x2="99577" y2="93968"/>
+                        <a14:foregroundMark x1="93046" y1="8319" x2="94052" y2="4110"/>
+                        <a14:foregroundMark x1="45444" y1="10973" x2="58866" y2="3915"/>
+                        <a14:foregroundMark x1="73133" y1="1573" x2="91039" y2="3021"/>
+                        <a14:foregroundMark x1="95405" y1="4259" x2="63669" y2="8319"/>
+                        <a14:foregroundMark x1="27519" y1="3799" x2="12710" y2="1947"/>
+                        <a14:foregroundMark x1="63669" y1="8319" x2="32218" y2="4386"/>
+                        <a14:foregroundMark x1="12710" y1="1947" x2="839" y2="13274"/>
+                        <a14:foregroundMark x1="2410" y1="76123" x2="2899" y2="95687"/>
+                        <a14:foregroundMark x1="839" y1="13274" x2="997" y2="19618"/>
+                        <a14:foregroundMark x1="3957" y1="81593" x2="1079" y2="86903"/>
+                        <a14:foregroundMark x1="1199" y1="84071" x2="240" y2="86372"/>
+                        <a14:foregroundMark x1="3957" y1="10619" x2="360" y2="4071"/>
+                        <a14:foregroundMark x1="13789" y1="6726" x2="15827" y2="354"/>
+                        <a14:foregroundMark x1="90168" y1="7788" x2="93082" y2="4003"/>
+                        <a14:foregroundMark x1="85731" y1="9204" x2="76259" y2="177"/>
+                        <a14:foregroundMark x1="71343" y1="10973" x2="66159" y2="4264"/>
+                        <a14:foregroundMark x1="54676" y1="10265" x2="50289" y2="4077"/>
+                        <a14:foregroundMark x1="50360" y1="10973" x2="41246" y2="4247"/>
+                        <a14:foregroundMark x1="26493" y1="1064" x2="20983" y2="1593"/>
+                        <a14:foregroundMark x1="30786" y1="4633" x2="35252" y2="6018"/>
+                        <a14:foregroundMark x1="20983" y1="1593" x2="27243" y2="3534"/>
+                        <a14:foregroundMark x1="35252" y1="6018" x2="35725" y2="3781"/>
+                        <a14:foregroundMark x1="46624" y1="4146" x2="48082" y2="12212"/>
+                        <a14:foregroundMark x1="80336" y1="4248" x2="80695" y2="708"/>
+                        <a14:foregroundMark x1="6715" y1="5310" x2="5995" y2="3894"/>
+                        <a14:foregroundMark x1="10911" y1="3363" x2="4916" y2="3186"/>
+                        <a14:foregroundMark x1="2197" y1="36602" x2="3118" y2="71327"/>
+                        <a14:foregroundMark x1="3118" y1="71327" x2="2878" y2="72920"/>
+                        <a14:foregroundMark x1="3957" y1="35575" x2="2638" y2="30442"/>
+                        <a14:foregroundMark x1="2158" y1="20708" x2="2878" y2="37168"/>
+                        <a14:foregroundMark x1="6115" y1="96637" x2="6115" y2="96637"/>
+                        <a14:foregroundMark x1="28657" y1="96814" x2="35492" y2="93451"/>
+                        <a14:foregroundMark x1="28417" y1="96283" x2="22062" y2="98938"/>
+                        <a14:foregroundMark x1="31175" y1="96460" x2="45444" y2="96814"/>
+                        <a14:foregroundMark x1="45444" y1="96814" x2="59113" y2="96106"/>
+                        <a14:foregroundMark x1="59113" y1="96106" x2="69784" y2="96106"/>
+                        <a14:foregroundMark x1="92326" y1="96814" x2="92326" y2="96814"/>
+                        <a14:foregroundMark x1="93165" y1="96460" x2="98921" y2="95398"/>
+                        <a14:foregroundMark x1="97722" y1="97522" x2="98801" y2="94336"/>
+                        <a14:foregroundMark x1="98561" y1="96814" x2="99640" y2="94336"/>
+                        <a14:foregroundMark x1="98561" y1="95398" x2="99161" y2="96283"/>
+                        <a14:foregroundMark x1="96283" y1="24956" x2="97722" y2="27611"/>
+                        <a14:foregroundMark x1="97362" y1="27788" x2="97242" y2="35929"/>
+                        <a14:foregroundMark x1="98082" y1="36637" x2="97122" y2="39292"/>
+                        <a14:foregroundMark x1="97122" y1="47434" x2="97722" y2="46018"/>
+                        <a14:foregroundMark x1="96523" y1="55752" x2="98082" y2="53451"/>
+                        <a14:foregroundMark x1="96283" y1="66549" x2="97242" y2="63717"/>
+                        <a14:foregroundMark x1="96523" y1="59292" x2="97482" y2="63540"/>
+                        <a14:foregroundMark x1="96763" y1="66372" x2="97602" y2="69381"/>
+                        <a14:foregroundMark x1="96523" y1="72920" x2="97962" y2="75398"/>
+                        <a14:foregroundMark x1="97242" y1="77522" x2="99281" y2="79646"/>
+                        <a14:foregroundMark x1="55635" y1="5664" x2="57314" y2="3540"/>
+                        <a14:foregroundMark x1="45084" y1="5487" x2="47122" y2="3540"/>
+                        <a14:foregroundMark x1="27698" y1="3009" x2="48681" y2="4602"/>
+                        <a14:foregroundMark x1="95683" y1="4248" x2="97962" y2="4779"/>
+                        <a14:foregroundMark x1="36930" y1="6726" x2="50360" y2="3540"/>
+                        <a14:foregroundMark x1="50360" y1="3540" x2="64029" y2="3540"/>
+                        <a14:foregroundMark x1="72620" y1="1691" x2="75540" y2="1062"/>
+                        <a14:foregroundMark x1="64029" y1="3540" x2="64517" y2="3435"/>
+                        <a14:foregroundMark x1="75899" y1="708" x2="89448" y2="1770"/>
+                        <a14:foregroundMark x1="89448" y1="1770" x2="89448" y2="1770"/>
+                        <a14:foregroundMark x1="80576" y1="531" x2="94125" y2="3717"/>
+                        <a14:foregroundMark x1="94125" y1="3717" x2="97601" y2="17646"/>
+                        <a14:foregroundMark x1="96643" y1="15752" x2="97601" y2="14408"/>
+                        <a14:foregroundMark x1="97362" y1="12920" x2="97601" y2="12450"/>
+                        <a14:foregroundMark x1="98820" y1="20531" x2="98921" y2="20885"/>
+                        <a14:foregroundMark x1="94005" y1="3717" x2="97601" y2="16275"/>
+                        <a14:foregroundMark x1="97482" y1="15044" x2="97601" y2="15211"/>
+                        <a14:foregroundMark x1="93525" y1="10796" x2="96043" y2="4248"/>
+                        <a14:foregroundMark x1="94724" y1="4071" x2="98561" y2="16814"/>
+                        <a14:foregroundMark x1="97962" y1="12920" x2="99400" y2="10973"/>
+                        <a14:foregroundMark x1="97722" y1="8850" x2="99880" y2="6195"/>
+                        <a14:foregroundMark x1="97602" y1="15575" x2="98681" y2="15752"/>
+                        <a14:foregroundMark x1="96043" y1="13805" x2="99281" y2="14867"/>
+                        <a14:foregroundMark x1="97962" y1="16460" x2="99281" y2="18230"/>
+                        <a14:foregroundMark x1="10671" y1="44779" x2="55156" y2="54336"/>
+                        <a14:foregroundMark x1="55156" y1="54336" x2="63549" y2="53451"/>
+                        <a14:foregroundMark x1="25540" y1="46195" x2="52998" y2="43186"/>
+                        <a14:foregroundMark x1="52998" y1="43186" x2="67986" y2="46018"/>
+                        <a14:foregroundMark x1="67986" y1="46018" x2="37170" y2="51858"/>
+                        <a14:foregroundMark x1="37170" y1="51858" x2="33933" y2="71327"/>
+                        <a14:foregroundMark x1="33933" y1="71327" x2="31295" y2="60177"/>
+                        <a14:foregroundMark x1="30216" y1="64425" x2="26859" y2="44779"/>
+                        <a14:foregroundMark x1="26859" y1="44779" x2="32014" y2="66549"/>
+                        <a14:foregroundMark x1="32014" y1="66549" x2="31775" y2="44956"/>
+                        <a14:foregroundMark x1="31775" y1="44956" x2="45683" y2="46903"/>
+                        <a14:foregroundMark x1="45683" y1="46903" x2="29496" y2="55398"/>
+                        <a14:foregroundMark x1="29496" y1="55398" x2="15827" y2="47611"/>
+                        <a14:foregroundMark x1="15827" y1="47611" x2="68106" y2="53097"/>
+                        <a14:foregroundMark x1="68106" y1="53097" x2="39568" y2="54513"/>
+                        <a14:foregroundMark x1="39568" y1="54513" x2="56715" y2="61593"/>
+                        <a14:foregroundMark x1="56715" y1="61593" x2="42926" y2="60708"/>
+                        <a14:foregroundMark x1="42926" y1="60708" x2="47122" y2="56991"/>
+                        <a14:foregroundMark x1="31175" y1="53805" x2="34772" y2="75752"/>
+                        <a14:foregroundMark x1="34772" y1="75752" x2="25659" y2="59823"/>
+                        <a14:foregroundMark x1="25659" y1="59823" x2="40048" y2="60177"/>
+                        <a14:foregroundMark x1="40048" y1="60177" x2="56475" y2="54690"/>
+                        <a14:foregroundMark x1="56475" y1="54690" x2="70504" y2="54867"/>
+                        <a14:foregroundMark x1="70504" y1="54867" x2="69904" y2="53451"/>
+                        <a14:foregroundMark x1="41847" y1="56106" x2="38369" y2="79115"/>
+                        <a14:foregroundMark x1="38369" y1="64602" x2="36930" y2="78761"/>
+                        <a14:foregroundMark x1="38010" y1="61947" x2="33573" y2="76991"/>
+                        <a14:foregroundMark x1="25899" y1="57168" x2="33933" y2="67965"/>
+                        <a14:foregroundMark x1="26379" y1="53451" x2="29137" y2="65841"/>
+                        <a14:foregroundMark x1="38129" y1="51681" x2="40767" y2="59115"/>
+                        <a14:foregroundMark x1="8873" y1="46726" x2="13789" y2="42832"/>
+                        <a14:foregroundMark x1="4556" y1="55752" x2="2278" y2="61770"/>
+                        <a14:foregroundMark x1="6835" y1="90265" x2="0" y2="92566"/>
+                        <a14:foregroundMark x1="64628" y1="6903" x2="68465" y2="3186"/>
+                        <a14:backgroundMark x1="37145" y1="1126" x2="39568" y2="708"/>
+                        <a14:backgroundMark x1="27218" y1="0" x2="28494" y2="1224"/>
+                        <a14:backgroundMark x1="4313" y1="1770" x2="600" y2="1770"/>
+                        <a14:backgroundMark x1="790" y1="60491" x2="719" y2="76106"/>
+                        <a14:backgroundMark x1="0" y1="20531" x2="1199" y2="23009"/>
+                        <a14:backgroundMark x1="719" y1="76460" x2="480" y2="78053"/>
+                        <a14:backgroundMark x1="839" y1="76460" x2="839" y2="71681"/>
+                        <a14:backgroundMark x1="839" y1="75221" x2="120" y2="78584"/>
+                        <a14:backgroundMark x1="2518" y1="98938" x2="8273" y2="98938"/>
+                        <a14:backgroundMark x1="4916" y1="99292" x2="4114" y2="98654"/>
+                        <a14:backgroundMark x1="1918" y1="99469" x2="1079" y2="97876"/>
+                        <a14:backgroundMark x1="3237" y1="98230" x2="0" y2="97876"/>
+                        <a14:backgroundMark x1="2758" y1="97345" x2="2758" y2="97345"/>
+                        <a14:backgroundMark x1="2158" y1="97876" x2="3837" y2="97522"/>
+                        <a14:backgroundMark x1="4317" y1="97345" x2="6475" y2="97345"/>
+                        <a14:backgroundMark x1="68934" y1="98078" x2="70384" y2="98053"/>
+                        <a14:backgroundMark x1="29496" y1="98761" x2="30178" y2="98749"/>
+                        <a14:backgroundMark x1="69424" y1="97876" x2="71823" y2="99292"/>
+                        <a14:backgroundMark x1="71463" y1="98761" x2="73141" y2="99646"/>
+                        <a14:backgroundMark x1="98811" y1="96689" x2="99880" y2="96283"/>
+                        <a14:backgroundMark x1="91966" y1="99292" x2="93034" y2="98886"/>
+                        <a14:backgroundMark x1="99003" y1="96466" x2="99760" y2="96283"/>
+                        <a14:backgroundMark x1="91007" y1="98407" x2="92535" y2="98036"/>
+                        <a14:backgroundMark x1="91007" y1="97876" x2="91367" y2="97522"/>
+                        <a14:backgroundMark x1="98402" y1="98289" x2="99520" y2="97876"/>
+                        <a14:backgroundMark x1="97602" y1="98584" x2="98148" y2="98382"/>
+                        <a14:backgroundMark x1="98921" y1="97522" x2="99880" y2="97876"/>
+                        <a14:backgroundMark x1="99148" y1="74158" x2="99156" y2="75900"/>
+                        <a14:backgroundMark x1="99123" y1="68503" x2="99142" y2="72825"/>
+                        <a14:backgroundMark x1="99097" y1="62773" x2="99116" y2="66903"/>
+                        <a14:backgroundMark x1="98997" y1="40496" x2="99090" y2="61142"/>
+                        <a14:backgroundMark x1="98977" y1="35985" x2="98983" y2="37289"/>
+                        <a14:backgroundMark x1="98934" y1="26403" x2="98940" y2="27838"/>
+                        <a14:backgroundMark x1="98921" y1="23540" x2="98928" y2="25033"/>
+                        <a14:backgroundMark x1="98921" y1="74336" x2="99249" y2="75997"/>
+                        <a14:backgroundMark x1="99413" y1="79460" x2="99760" y2="80885"/>
+                        <a14:backgroundMark x1="47735" y1="1600" x2="48644" y2="1583"/>
+                        <a14:backgroundMark x1="44259" y1="1666" x2="47146" y2="1612"/>
+                        <a14:backgroundMark x1="96872" y1="1793" x2="99880" y2="2124"/>
+                        <a14:backgroundMark x1="96682" y1="1771" x2="96860" y2="1791"/>
+                        <a14:backgroundMark x1="95139" y1="1602" x2="96641" y2="1767"/>
+                        <a14:backgroundMark x1="99604" y1="10451" x2="99568" y2="12144"/>
+                        <a14:backgroundMark x1="99760" y1="3186" x2="99729" y2="4640"/>
+                        <a14:backgroundMark x1="68942" y1="1672" x2="71942" y2="1593"/>
+                        <a14:backgroundMark x1="65228" y1="1770" x2="68045" y2="1696"/>
+                        <a14:backgroundMark x1="72302" y1="1770" x2="71583" y2="2655"/>
+                        <a14:backgroundMark x1="72302" y1="1593" x2="72662" y2="1593"/>
+                        <a14:backgroundMark x1="99640" y1="17788" x2="99640" y2="20531"/>
+                        <a14:backgroundMark x1="99640" y1="10156" x2="99640" y2="12167"/>
+                        <a14:backgroundMark x1="99640" y1="6726" x2="99640" y2="8981"/>
+                      </a14:backgroundRemoval>
+                    </a14:imgEffect>
+                  </a14:imgLayer>
+                </a14:imgProps>
+              </a:ext>
+            </a:extLst>
+          </a:blip>
+          <a:stretch>
+            <a:fillRect/>
+          </a:stretch>
+        </p:blipFill>
+        <p:spPr>
+          <a:xfrm>
+            <a:off x="3020819" y="2520786"/>
+            <a:ext cx="2963694" cy="2007779"/>
+          </a:xfrm>
+          <a:prstGeom prst="rect">
+            <a:avLst/>
+          </a:prstGeom>
+        </p:spPr>
+      </p:pic>
+      <p:grpSp>
+        <p:nvGrpSpPr>
+          <p:cNvPr id="32" name="그룹 31">
+            <a:extLst>
+              <a:ext uri="{FF2B5EF4-FFF2-40B4-BE49-F238E27FC236}">
+                <a16:creationId xmlns:a16="http://schemas.microsoft.com/office/drawing/2014/main" id="{EF951132-0CDB-43D7-B2BC-C55A93F2A64C}"/>
+              </a:ext>
+            </a:extLst>
+          </p:cNvPr>
+          <p:cNvGrpSpPr/>
+          <p:nvPr/>
+        </p:nvGrpSpPr>
+        <p:grpSpPr>
+          <a:xfrm>
+            <a:off x="3467801" y="2949385"/>
+            <a:ext cx="187343" cy="262745"/>
+            <a:chOff x="3467801" y="2949385"/>
+            <a:chExt cx="187343" cy="262745"/>
+          </a:xfrm>
+        </p:grpSpPr>
+        <p:pic>
+          <p:nvPicPr>
+            <p:cNvPr id="33" name="그림 32">
+              <a:extLst>
+                <a:ext uri="{FF2B5EF4-FFF2-40B4-BE49-F238E27FC236}">
+                  <a16:creationId xmlns:a16="http://schemas.microsoft.com/office/drawing/2014/main" id="{06FE6FE0-1AE7-49B3-9A9B-C34FF5E51D8D}"/>
+                </a:ext>
+              </a:extLst>
+            </p:cNvPr>
+            <p:cNvPicPr>
+              <a:picLocks noChangeAspect="1"/>
+            </p:cNvPicPr>
+            <p:nvPr/>
+          </p:nvPicPr>
+          <p:blipFill>
+            <a:blip r:embed="rId6" cstate="print">
+              <a:lum bright="70000" contrast="-70000"/>
+              <a:extLst>
+                <a:ext uri="{BEBA8EAE-BF5A-486C-A8C5-ECC9F3942E4B}">
+                  <a14:imgProps xmlns:a14="http://schemas.microsoft.com/office/drawing/2010/main">
+                    <a14:imgLayer r:embed="rId7">
+                      <a14:imgEffect>
+                        <a14:backgroundRemoval t="9539" b="89803" l="7451" r="89804">
+                          <a14:foregroundMark x1="30588" y1="63158" x2="12549" y2="55921"/>
+                          <a14:foregroundMark x1="12549" y1="55921" x2="9020" y2="55592"/>
+                          <a14:foregroundMark x1="9804" y1="56250" x2="16471" y2="60197"/>
+                          <a14:foregroundMark x1="13333" y1="57895" x2="7451" y2="55592"/>
+                          <a14:foregroundMark x1="75294" y1="60855" x2="88388" y2="56402"/>
+                          <a14:backgroundMark x1="87451" y1="65132" x2="92157" y2="55592"/>
+                          <a14:backgroundMark x1="89804" y1="56250" x2="91373" y2="59539"/>
+                          <a14:backgroundMark x1="87451" y1="58224" x2="92549" y2="54276"/>
+                        </a14:backgroundRemoval>
+                      </a14:imgEffect>
+                    </a14:imgLayer>
+                  </a14:imgProps>
+                </a:ext>
+                <a:ext uri="{28A0092B-C50C-407E-A947-70E740481C1C}">
+                  <a14:useLocalDpi xmlns:a14="http://schemas.microsoft.com/office/drawing/2010/main" val="0"/>
+                </a:ext>
+              </a:extLst>
+            </a:blip>
+            <a:stretch>
+              <a:fillRect/>
+            </a:stretch>
+          </p:blipFill>
+          <p:spPr>
+            <a:xfrm rot="16200000">
+              <a:off x="3498981" y="2935696"/>
+              <a:ext cx="142474" cy="169852"/>
+            </a:xfrm>
+            <a:prstGeom prst="rect">
+              <a:avLst/>
+            </a:prstGeom>
+          </p:spPr>
+        </p:pic>
+        <p:pic>
+          <p:nvPicPr>
+            <p:cNvPr id="34" name="그림 33">
+              <a:extLst>
+                <a:ext uri="{FF2B5EF4-FFF2-40B4-BE49-F238E27FC236}">
+                  <a16:creationId xmlns:a16="http://schemas.microsoft.com/office/drawing/2014/main" id="{6BA49187-8C8D-4232-A9E5-D3AB57E1B84C}"/>
+                </a:ext>
+              </a:extLst>
+            </p:cNvPr>
+            <p:cNvPicPr>
+              <a:picLocks noChangeAspect="1"/>
+            </p:cNvPicPr>
+            <p:nvPr/>
+          </p:nvPicPr>
+          <p:blipFill>
+            <a:blip r:embed="rId6" cstate="print">
+              <a:lum bright="70000" contrast="-70000"/>
+              <a:extLst>
+                <a:ext uri="{BEBA8EAE-BF5A-486C-A8C5-ECC9F3942E4B}">
+                  <a14:imgProps xmlns:a14="http://schemas.microsoft.com/office/drawing/2010/main">
+                    <a14:imgLayer r:embed="rId7">
+                      <a14:imgEffect>
+                        <a14:backgroundRemoval t="9539" b="89803" l="7451" r="89804">
+                          <a14:foregroundMark x1="30588" y1="63158" x2="12549" y2="55921"/>
+                          <a14:foregroundMark x1="12549" y1="55921" x2="9020" y2="55592"/>
+                          <a14:foregroundMark x1="9804" y1="56250" x2="16471" y2="60197"/>
+                          <a14:foregroundMark x1="13333" y1="57895" x2="7451" y2="55592"/>
+                          <a14:foregroundMark x1="75294" y1="60855" x2="88388" y2="56402"/>
+                          <a14:backgroundMark x1="87451" y1="65132" x2="92157" y2="55592"/>
+                          <a14:backgroundMark x1="89804" y1="56250" x2="91373" y2="59539"/>
+                          <a14:backgroundMark x1="87451" y1="58224" x2="92549" y2="54276"/>
+                        </a14:backgroundRemoval>
+                      </a14:imgEffect>
+                    </a14:imgLayer>
+                  </a14:imgProps>
+                </a:ext>
+                <a:ext uri="{28A0092B-C50C-407E-A947-70E740481C1C}">
+                  <a14:useLocalDpi xmlns:a14="http://schemas.microsoft.com/office/drawing/2010/main" val="0"/>
+                </a:ext>
+              </a:extLst>
+            </a:blip>
+            <a:stretch>
+              <a:fillRect/>
+            </a:stretch>
+          </p:blipFill>
+          <p:spPr>
+            <a:xfrm rot="5400000" flipH="1">
+              <a:off x="3481490" y="3055967"/>
+              <a:ext cx="142474" cy="169852"/>
+            </a:xfrm>
+            <a:prstGeom prst="rect">
+              <a:avLst/>
+            </a:prstGeom>
+          </p:spPr>
+        </p:pic>
+      </p:grpSp>
+      <p:pic>
+        <p:nvPicPr>
+          <p:cNvPr id="35" name="그림 34">
+            <a:extLst>
+              <a:ext uri="{FF2B5EF4-FFF2-40B4-BE49-F238E27FC236}">
+                <a16:creationId xmlns:a16="http://schemas.microsoft.com/office/drawing/2014/main" id="{1C570CF4-41B4-44CF-9277-28CF67764ECE}"/>
+              </a:ext>
+            </a:extLst>
+          </p:cNvPr>
+          <p:cNvPicPr>
+            <a:picLocks noChangeAspect="1"/>
+          </p:cNvPicPr>
+          <p:nvPr/>
+        </p:nvPicPr>
+        <p:blipFill>
+          <a:blip r:embed="rId8" cstate="print">
+            <a:lum bright="70000" contrast="-70000"/>
+            <a:extLst>
+              <a:ext uri="{BEBA8EAE-BF5A-486C-A8C5-ECC9F3942E4B}">
+                <a14:imgProps xmlns:a14="http://schemas.microsoft.com/office/drawing/2010/main">
+                  <a14:imgLayer r:embed="rId9">
+                    <a14:imgEffect>
+                      <a14:backgroundRemoval t="6195" b="94248" l="4561" r="94386">
+                        <a14:foregroundMark x1="55789" y1="15044" x2="51930" y2="6195"/>
+                        <a14:foregroundMark x1="53333" y1="11947" x2="50526" y2="6195"/>
+                        <a14:foregroundMark x1="32632" y1="23451" x2="32632" y2="23451"/>
+                        <a14:foregroundMark x1="21053" y1="53540" x2="21053" y2="53540"/>
+                        <a14:foregroundMark x1="9474" y1="69027" x2="9474" y2="69027"/>
+                        <a14:foregroundMark x1="5263" y1="68584" x2="5263" y2="68584"/>
+                        <a14:foregroundMark x1="18596" y1="94248" x2="18596" y2="94248"/>
+                        <a14:foregroundMark x1="44561" y1="59292" x2="44561" y2="59292"/>
+                        <a14:foregroundMark x1="78596" y1="49558" x2="78596" y2="49558"/>
+                        <a14:foregroundMark x1="81754" y1="24779" x2="81754" y2="24779"/>
+                        <a14:foregroundMark x1="94386" y1="66372" x2="94386" y2="66372"/>
+                        <a14:foregroundMark x1="88070" y1="90708" x2="88070" y2="90708"/>
+                        <a14:backgroundMark x1="52281" y1="5752" x2="52281" y2="5752"/>
+                      </a14:backgroundRemoval>
+                    </a14:imgEffect>
+                  </a14:imgLayer>
+                </a14:imgProps>
+              </a:ext>
+              <a:ext uri="{28A0092B-C50C-407E-A947-70E740481C1C}">
+                <a14:useLocalDpi xmlns:a14="http://schemas.microsoft.com/office/drawing/2010/main" val="0"/>
+              </a:ext>
+            </a:extLst>
+          </a:blip>
+          <a:stretch>
+            <a:fillRect/>
+          </a:stretch>
+        </p:blipFill>
+        <p:spPr>
+          <a:xfrm flipH="1">
+            <a:off x="3448187" y="3824103"/>
+            <a:ext cx="221011" cy="175258"/>
+          </a:xfrm>
+          <a:prstGeom prst="rect">
+            <a:avLst/>
+          </a:prstGeom>
+        </p:spPr>
+      </p:pic>
+      <p:pic>
+        <p:nvPicPr>
+          <p:cNvPr id="36" name="그림 35">
+            <a:extLst>
+              <a:ext uri="{FF2B5EF4-FFF2-40B4-BE49-F238E27FC236}">
+                <a16:creationId xmlns:a16="http://schemas.microsoft.com/office/drawing/2014/main" id="{2E363EBF-3926-462A-9FF3-6CA54C9517AF}"/>
+              </a:ext>
+            </a:extLst>
+          </p:cNvPr>
+          <p:cNvPicPr>
+            <a:picLocks noChangeAspect="1"/>
+          </p:cNvPicPr>
+          <p:nvPr/>
+        </p:nvPicPr>
+        <p:blipFill>
+          <a:blip r:embed="rId10" cstate="print">
+            <a:lum bright="70000" contrast="-70000"/>
+            <a:extLst>
+              <a:ext uri="{BEBA8EAE-BF5A-486C-A8C5-ECC9F3942E4B}">
+                <a14:imgProps xmlns:a14="http://schemas.microsoft.com/office/drawing/2010/main">
+                  <a14:imgLayer r:embed="rId11">
+                    <a14:imgEffect>
+                      <a14:backgroundRemoval t="10000" b="90000" l="10000" r="90000">
+                        <a14:foregroundMark x1="49693" y1="20833" x2="49693" y2="20833"/>
+                        <a14:foregroundMark x1="66871" y1="38889" x2="66871" y2="38889"/>
+                      </a14:backgroundRemoval>
+                    </a14:imgEffect>
+                  </a14:imgLayer>
+                </a14:imgProps>
+              </a:ext>
+              <a:ext uri="{28A0092B-C50C-407E-A947-70E740481C1C}">
+                <a14:useLocalDpi xmlns:a14="http://schemas.microsoft.com/office/drawing/2010/main" val="0"/>
+              </a:ext>
+            </a:extLst>
+          </a:blip>
+          <a:stretch>
+            <a:fillRect/>
+          </a:stretch>
+        </p:blipFill>
+        <p:spPr>
+          <a:xfrm>
+            <a:off x="4352982" y="2928190"/>
+            <a:ext cx="320267" cy="282934"/>
+          </a:xfrm>
+          <a:prstGeom prst="rect">
+            <a:avLst/>
+          </a:prstGeom>
+        </p:spPr>
+      </p:pic>
+      <p:pic>
+        <p:nvPicPr>
+          <p:cNvPr id="37" name="그림 36">
+            <a:extLst>
+              <a:ext uri="{FF2B5EF4-FFF2-40B4-BE49-F238E27FC236}">
+                <a16:creationId xmlns:a16="http://schemas.microsoft.com/office/drawing/2014/main" id="{143E84CF-2D40-4985-8B50-EE2DF67D007D}"/>
+              </a:ext>
+            </a:extLst>
+          </p:cNvPr>
+          <p:cNvPicPr>
+            <a:picLocks noChangeAspect="1"/>
+          </p:cNvPicPr>
+          <p:nvPr/>
+        </p:nvPicPr>
+        <p:blipFill>
+          <a:blip r:embed="rId12" cstate="print">
+            <a:lum bright="70000" contrast="-70000"/>
+            <a:extLst>
+              <a:ext uri="{BEBA8EAE-BF5A-486C-A8C5-ECC9F3942E4B}">
+                <a14:imgProps xmlns:a14="http://schemas.microsoft.com/office/drawing/2010/main">
+                  <a14:imgLayer r:embed="rId13">
+                    <a14:imgEffect>
+                      <a14:backgroundRemoval t="10000" b="90000" l="10000" r="90000">
+                        <a14:foregroundMark x1="57609" y1="36111" x2="57609" y2="36111"/>
+                        <a14:foregroundMark x1="35326" y1="41667" x2="35326" y2="41667"/>
+                        <a14:foregroundMark x1="44565" y1="52778" x2="44565" y2="52778"/>
+                        <a14:foregroundMark x1="39674" y1="62963" x2="39674" y2="62963"/>
+                        <a14:foregroundMark x1="54348" y1="62037" x2="54348" y2="62037"/>
+                      </a14:backgroundRemoval>
+                    </a14:imgEffect>
+                  </a14:imgLayer>
+                </a14:imgProps>
+              </a:ext>
+              <a:ext uri="{28A0092B-C50C-407E-A947-70E740481C1C}">
+                <a14:useLocalDpi xmlns:a14="http://schemas.microsoft.com/office/drawing/2010/main" val="0"/>
+              </a:ext>
+            </a:extLst>
+          </a:blip>
+          <a:stretch>
+            <a:fillRect/>
+          </a:stretch>
+        </p:blipFill>
+        <p:spPr>
+          <a:xfrm>
+            <a:off x="5253101" y="2963673"/>
+            <a:ext cx="361130" cy="211968"/>
+          </a:xfrm>
+          <a:prstGeom prst="rect">
+            <a:avLst/>
+          </a:prstGeom>
+        </p:spPr>
+      </p:pic>
+      <p:sp>
+        <p:nvSpPr>
+          <p:cNvPr id="38" name="Oval 5">
+            <a:extLst>
+              <a:ext uri="{FF2B5EF4-FFF2-40B4-BE49-F238E27FC236}">
+                <a16:creationId xmlns:a16="http://schemas.microsoft.com/office/drawing/2014/main" id="{E87A1E71-3BD2-40E8-BFE4-E3783C6EB88E}"/>
               </a:ext>
             </a:extLst>
           </p:cNvPr>
@@ -8510,7 +9246,1121 @@
         </p:nvSpPr>
         <p:spPr>
           <a:xfrm>
-            <a:off x="2969703" y="1485734"/>
+            <a:off x="4594055" y="3582351"/>
+            <a:ext cx="670485" cy="670485"/>
+          </a:xfrm>
+          <a:prstGeom prst="ellipse">
+            <a:avLst/>
+          </a:prstGeom>
+          <a:noFill/>
+          <a:ln w="38100">
+            <a:solidFill>
+              <a:srgbClr val="FF0000"/>
+            </a:solidFill>
+          </a:ln>
+        </p:spPr>
+        <p:style>
+          <a:lnRef idx="2">
+            <a:schemeClr val="accent1">
+              <a:shade val="50000"/>
+            </a:schemeClr>
+          </a:lnRef>
+          <a:fillRef idx="1">
+            <a:schemeClr val="accent1"/>
+          </a:fillRef>
+          <a:effectRef idx="0">
+            <a:schemeClr val="accent1"/>
+          </a:effectRef>
+          <a:fontRef idx="minor">
+            <a:schemeClr val="lt1"/>
+          </a:fontRef>
+        </p:style>
+        <p:txBody>
+          <a:bodyPr rtlCol="0" anchor="ctr"/>
+          <a:lstStyle/>
+          <a:p>
+            <a:pPr algn="ctr"/>
+            <a:endParaRPr lang="ko-KR" altLang="en-US" dirty="0">
+              <a:solidFill>
+                <a:sysClr val="windowText" lastClr="000000"/>
+              </a:solidFill>
+            </a:endParaRPr>
+          </a:p>
+        </p:txBody>
+      </p:sp>
+      <p:cxnSp>
+        <p:nvCxnSpPr>
+          <p:cNvPr id="39" name="Elbow Connector 11">
+            <a:extLst>
+              <a:ext uri="{FF2B5EF4-FFF2-40B4-BE49-F238E27FC236}">
+                <a16:creationId xmlns:a16="http://schemas.microsoft.com/office/drawing/2014/main" id="{9226A44D-CD2A-40E2-AD8C-442A06C813B4}"/>
+              </a:ext>
+            </a:extLst>
+          </p:cNvPr>
+          <p:cNvCxnSpPr>
+            <a:stCxn id="38" idx="6"/>
+          </p:cNvCxnSpPr>
+          <p:nvPr/>
+        </p:nvCxnSpPr>
+        <p:spPr>
+          <a:xfrm>
+            <a:off x="5264540" y="3917594"/>
+            <a:ext cx="1201723" cy="557731"/>
+          </a:xfrm>
+          <a:prstGeom prst="bentConnector3">
+            <a:avLst>
+              <a:gd name="adj1" fmla="val 59331"/>
+            </a:avLst>
+          </a:prstGeom>
+          <a:ln w="19050">
+            <a:solidFill>
+              <a:srgbClr val="FF0000"/>
+            </a:solidFill>
+            <a:tailEnd type="oval" w="lg" len="lg"/>
+          </a:ln>
+        </p:spPr>
+        <p:style>
+          <a:lnRef idx="1">
+            <a:schemeClr val="accent1"/>
+          </a:lnRef>
+          <a:fillRef idx="0">
+            <a:schemeClr val="accent1"/>
+          </a:fillRef>
+          <a:effectRef idx="0">
+            <a:schemeClr val="accent1"/>
+          </a:effectRef>
+          <a:fontRef idx="minor">
+            <a:schemeClr val="tx1"/>
+          </a:fontRef>
+        </p:style>
+      </p:cxnSp>
+      <p:grpSp>
+        <p:nvGrpSpPr>
+          <p:cNvPr id="40" name="Group 41">
+            <a:extLst>
+              <a:ext uri="{FF2B5EF4-FFF2-40B4-BE49-F238E27FC236}">
+                <a16:creationId xmlns:a16="http://schemas.microsoft.com/office/drawing/2014/main" id="{4E817A03-61CF-4AA5-A78F-1F1B60C05E35}"/>
+              </a:ext>
+            </a:extLst>
+          </p:cNvPr>
+          <p:cNvGrpSpPr/>
+          <p:nvPr/>
+        </p:nvGrpSpPr>
+        <p:grpSpPr>
+          <a:xfrm>
+            <a:off x="137316" y="2265510"/>
+            <a:ext cx="1801466" cy="496821"/>
+            <a:chOff x="803640" y="3336957"/>
+            <a:chExt cx="2059657" cy="496821"/>
+          </a:xfrm>
+        </p:grpSpPr>
+        <p:sp>
+          <p:nvSpPr>
+            <p:cNvPr id="41" name="TextBox 40">
+              <a:extLst>
+                <a:ext uri="{FF2B5EF4-FFF2-40B4-BE49-F238E27FC236}">
+                  <a16:creationId xmlns:a16="http://schemas.microsoft.com/office/drawing/2014/main" id="{7C3058BE-A2A3-40B6-8369-6C944BADB583}"/>
+                </a:ext>
+              </a:extLst>
+            </p:cNvPr>
+            <p:cNvSpPr txBox="1"/>
+            <p:nvPr/>
+          </p:nvSpPr>
+          <p:spPr>
+            <a:xfrm>
+              <a:off x="803640" y="3579862"/>
+              <a:ext cx="2059657" cy="253916"/>
+            </a:xfrm>
+            <a:prstGeom prst="rect">
+              <a:avLst/>
+            </a:prstGeom>
+            <a:noFill/>
+          </p:spPr>
+          <p:txBody>
+            <a:bodyPr wrap="square" rtlCol="0">
+              <a:spAutoFit/>
+            </a:bodyPr>
+            <a:lstStyle/>
+            <a:p>
+              <a:r>
+                <a:rPr lang="en-US" altLang="ko-KR" sz="1050" dirty="0">
+                  <a:solidFill>
+                    <a:sysClr val="windowText" lastClr="000000"/>
+                  </a:solidFill>
+                  <a:cs typeface="Arial" pitchFamily="34" charset="0"/>
+                </a:rPr>
+                <a:t>- </a:t>
+              </a:r>
+              <a:r>
+                <a:rPr lang="ko-KR" altLang="en-US" sz="1050" dirty="0">
+                  <a:solidFill>
+                    <a:sysClr val="windowText" lastClr="000000"/>
+                  </a:solidFill>
+                  <a:cs typeface="Arial" pitchFamily="34" charset="0"/>
+                </a:rPr>
+                <a:t>전이 기술로 기술을 변경</a:t>
+              </a:r>
+              <a:endParaRPr lang="en-US" altLang="ko-KR" sz="1050" dirty="0">
+                <a:solidFill>
+                  <a:sysClr val="windowText" lastClr="000000"/>
+                </a:solidFill>
+                <a:cs typeface="Arial" pitchFamily="34" charset="0"/>
+              </a:endParaRPr>
+            </a:p>
+          </p:txBody>
+        </p:sp>
+        <p:sp>
+          <p:nvSpPr>
+            <p:cNvPr id="42" name="TextBox 41">
+              <a:extLst>
+                <a:ext uri="{FF2B5EF4-FFF2-40B4-BE49-F238E27FC236}">
+                  <a16:creationId xmlns:a16="http://schemas.microsoft.com/office/drawing/2014/main" id="{14B44EA2-7F97-43F1-BC74-14C05D18178F}"/>
+                </a:ext>
+              </a:extLst>
+            </p:cNvPr>
+            <p:cNvSpPr txBox="1"/>
+            <p:nvPr/>
+          </p:nvSpPr>
+          <p:spPr>
+            <a:xfrm>
+              <a:off x="803640" y="3336957"/>
+              <a:ext cx="2059657" cy="276999"/>
+            </a:xfrm>
+            <a:prstGeom prst="rect">
+              <a:avLst/>
+            </a:prstGeom>
+            <a:noFill/>
+          </p:spPr>
+          <p:txBody>
+            <a:bodyPr wrap="square" rtlCol="0">
+              <a:spAutoFit/>
+            </a:bodyPr>
+            <a:lstStyle/>
+            <a:p>
+              <a:r>
+                <a:rPr lang="ko-KR" altLang="en-US" sz="1200" b="1" dirty="0">
+                  <a:solidFill>
+                    <a:sysClr val="windowText" lastClr="000000"/>
+                  </a:solidFill>
+                  <a:cs typeface="Arial" pitchFamily="34" charset="0"/>
+                </a:rPr>
+                <a:t>전이 기술 버튼</a:t>
+              </a:r>
+            </a:p>
+          </p:txBody>
+        </p:sp>
+      </p:grpSp>
+      <p:sp>
+        <p:nvSpPr>
+          <p:cNvPr id="43" name="Oval 9">
+            <a:extLst>
+              <a:ext uri="{FF2B5EF4-FFF2-40B4-BE49-F238E27FC236}">
+                <a16:creationId xmlns:a16="http://schemas.microsoft.com/office/drawing/2014/main" id="{B63CEE9C-FF6B-4FF6-8F85-2639C0C72EBD}"/>
+              </a:ext>
+            </a:extLst>
+          </p:cNvPr>
+          <p:cNvSpPr/>
+          <p:nvPr/>
+        </p:nvSpPr>
+        <p:spPr>
+          <a:xfrm>
+            <a:off x="3234927" y="2739577"/>
+            <a:ext cx="670485" cy="670485"/>
+          </a:xfrm>
+          <a:prstGeom prst="ellipse">
+            <a:avLst/>
+          </a:prstGeom>
+          <a:noFill/>
+          <a:ln w="38100">
+            <a:solidFill>
+              <a:srgbClr val="FF0000"/>
+            </a:solidFill>
+          </a:ln>
+        </p:spPr>
+        <p:style>
+          <a:lnRef idx="2">
+            <a:schemeClr val="accent1">
+              <a:shade val="50000"/>
+            </a:schemeClr>
+          </a:lnRef>
+          <a:fillRef idx="1">
+            <a:schemeClr val="accent1"/>
+          </a:fillRef>
+          <a:effectRef idx="0">
+            <a:schemeClr val="accent1"/>
+          </a:effectRef>
+          <a:fontRef idx="minor">
+            <a:schemeClr val="lt1"/>
+          </a:fontRef>
+        </p:style>
+        <p:txBody>
+          <a:bodyPr rtlCol="0" anchor="ctr"/>
+          <a:lstStyle/>
+          <a:p>
+            <a:pPr algn="ctr"/>
+            <a:endParaRPr lang="ko-KR" altLang="en-US" dirty="0">
+              <a:solidFill>
+                <a:sysClr val="windowText" lastClr="000000"/>
+              </a:solidFill>
+            </a:endParaRPr>
+          </a:p>
+        </p:txBody>
+      </p:sp>
+      <p:cxnSp>
+        <p:nvCxnSpPr>
+          <p:cNvPr id="44" name="Elbow Connector 25">
+            <a:extLst>
+              <a:ext uri="{FF2B5EF4-FFF2-40B4-BE49-F238E27FC236}">
+                <a16:creationId xmlns:a16="http://schemas.microsoft.com/office/drawing/2014/main" id="{21B9AD6C-984A-44B9-91D6-D442F1D39DB2}"/>
+              </a:ext>
+            </a:extLst>
+          </p:cNvPr>
+          <p:cNvCxnSpPr>
+            <a:cxnSpLocks/>
+            <a:stCxn id="43" idx="2"/>
+          </p:cNvCxnSpPr>
+          <p:nvPr/>
+        </p:nvCxnSpPr>
+        <p:spPr>
+          <a:xfrm rot="10800000">
+            <a:off x="1938783" y="2660444"/>
+            <a:ext cx="1296144" cy="414377"/>
+          </a:xfrm>
+          <a:prstGeom prst="bentConnector3">
+            <a:avLst/>
+          </a:prstGeom>
+          <a:ln w="19050">
+            <a:solidFill>
+              <a:srgbClr val="FF0000"/>
+            </a:solidFill>
+            <a:tailEnd type="oval" w="lg" len="lg"/>
+          </a:ln>
+        </p:spPr>
+        <p:style>
+          <a:lnRef idx="1">
+            <a:schemeClr val="accent1"/>
+          </a:lnRef>
+          <a:fillRef idx="0">
+            <a:schemeClr val="accent1"/>
+          </a:fillRef>
+          <a:effectRef idx="0">
+            <a:schemeClr val="accent1"/>
+          </a:effectRef>
+          <a:fontRef idx="minor">
+            <a:schemeClr val="tx1"/>
+          </a:fontRef>
+        </p:style>
+      </p:cxnSp>
+      <p:grpSp>
+        <p:nvGrpSpPr>
+          <p:cNvPr id="45" name="Group 41">
+            <a:extLst>
+              <a:ext uri="{FF2B5EF4-FFF2-40B4-BE49-F238E27FC236}">
+                <a16:creationId xmlns:a16="http://schemas.microsoft.com/office/drawing/2014/main" id="{D75CE59A-2B8F-49F5-9F3C-756EF5D1F9B1}"/>
+              </a:ext>
+            </a:extLst>
+          </p:cNvPr>
+          <p:cNvGrpSpPr/>
+          <p:nvPr/>
+        </p:nvGrpSpPr>
+        <p:grpSpPr>
+          <a:xfrm>
+            <a:off x="6556168" y="4135740"/>
+            <a:ext cx="2587831" cy="819986"/>
+            <a:chOff x="803640" y="3336957"/>
+            <a:chExt cx="2059657" cy="819986"/>
+          </a:xfrm>
+        </p:grpSpPr>
+        <p:sp>
+          <p:nvSpPr>
+            <p:cNvPr id="46" name="TextBox 45">
+              <a:extLst>
+                <a:ext uri="{FF2B5EF4-FFF2-40B4-BE49-F238E27FC236}">
+                  <a16:creationId xmlns:a16="http://schemas.microsoft.com/office/drawing/2014/main" id="{48C7D51F-579F-47F5-B2A3-B08F468DD8D3}"/>
+                </a:ext>
+              </a:extLst>
+            </p:cNvPr>
+            <p:cNvSpPr txBox="1"/>
+            <p:nvPr/>
+          </p:nvSpPr>
+          <p:spPr>
+            <a:xfrm>
+              <a:off x="803640" y="3579862"/>
+              <a:ext cx="2059657" cy="577081"/>
+            </a:xfrm>
+            <a:prstGeom prst="rect">
+              <a:avLst/>
+            </a:prstGeom>
+            <a:noFill/>
+          </p:spPr>
+          <p:txBody>
+            <a:bodyPr wrap="square" rtlCol="0">
+              <a:spAutoFit/>
+            </a:bodyPr>
+            <a:lstStyle/>
+            <a:p>
+              <a:pPr marL="171450" indent="-171450">
+                <a:buFontTx/>
+                <a:buChar char="-"/>
+              </a:pPr>
+              <a:r>
+                <a:rPr lang="ko-KR" altLang="en-US" sz="1050" dirty="0">
+                  <a:solidFill>
+                    <a:sysClr val="windowText" lastClr="000000"/>
+                  </a:solidFill>
+                  <a:cs typeface="Arial" pitchFamily="34" charset="0"/>
+                </a:rPr>
+                <a:t>현재 스테이지의 남은 시간을 보여줌</a:t>
+              </a:r>
+              <a:endParaRPr lang="en-US" altLang="ko-KR" sz="1050" dirty="0">
+                <a:solidFill>
+                  <a:sysClr val="windowText" lastClr="000000"/>
+                </a:solidFill>
+                <a:cs typeface="Arial" pitchFamily="34" charset="0"/>
+              </a:endParaRPr>
+            </a:p>
+            <a:p>
+              <a:pPr marL="171450" indent="-171450">
+                <a:buFontTx/>
+                <a:buChar char="-"/>
+              </a:pPr>
+              <a:r>
+                <a:rPr lang="ko-KR" altLang="en-US" sz="1050" dirty="0">
+                  <a:solidFill>
+                    <a:sysClr val="windowText" lastClr="000000"/>
+                  </a:solidFill>
+                  <a:cs typeface="Arial" pitchFamily="34" charset="0"/>
+                </a:rPr>
+                <a:t>남은 시간이 </a:t>
+              </a:r>
+              <a:r>
+                <a:rPr lang="en-US" altLang="ko-KR" sz="1050" dirty="0">
+                  <a:solidFill>
+                    <a:sysClr val="windowText" lastClr="000000"/>
+                  </a:solidFill>
+                  <a:cs typeface="Arial" pitchFamily="34" charset="0"/>
+                </a:rPr>
+                <a:t>30</a:t>
+              </a:r>
+              <a:r>
+                <a:rPr lang="ko-KR" altLang="en-US" sz="1050" dirty="0">
+                  <a:solidFill>
+                    <a:sysClr val="windowText" lastClr="000000"/>
+                  </a:solidFill>
+                  <a:cs typeface="Arial" pitchFamily="34" charset="0"/>
+                </a:rPr>
+                <a:t>초 이하이면 텍스트가 빨간색으로 변경됨</a:t>
+              </a:r>
+              <a:r>
+                <a:rPr lang="en-US" altLang="ko-KR" sz="1050" dirty="0">
+                  <a:solidFill>
+                    <a:sysClr val="windowText" lastClr="000000"/>
+                  </a:solidFill>
+                  <a:cs typeface="Arial" pitchFamily="34" charset="0"/>
+                </a:rPr>
+                <a:t>.</a:t>
+              </a:r>
+            </a:p>
+          </p:txBody>
+        </p:sp>
+        <p:sp>
+          <p:nvSpPr>
+            <p:cNvPr id="47" name="TextBox 46">
+              <a:extLst>
+                <a:ext uri="{FF2B5EF4-FFF2-40B4-BE49-F238E27FC236}">
+                  <a16:creationId xmlns:a16="http://schemas.microsoft.com/office/drawing/2014/main" id="{D6B00555-A94B-4AA1-800E-287DEA093C1E}"/>
+                </a:ext>
+              </a:extLst>
+            </p:cNvPr>
+            <p:cNvSpPr txBox="1"/>
+            <p:nvPr/>
+          </p:nvSpPr>
+          <p:spPr>
+            <a:xfrm>
+              <a:off x="803640" y="3336957"/>
+              <a:ext cx="2059657" cy="276999"/>
+            </a:xfrm>
+            <a:prstGeom prst="rect">
+              <a:avLst/>
+            </a:prstGeom>
+            <a:noFill/>
+          </p:spPr>
+          <p:txBody>
+            <a:bodyPr wrap="square" rtlCol="0">
+              <a:spAutoFit/>
+            </a:bodyPr>
+            <a:lstStyle/>
+            <a:p>
+              <a:r>
+                <a:rPr lang="ko-KR" altLang="en-US" sz="1200" b="1" dirty="0">
+                  <a:solidFill>
+                    <a:sysClr val="windowText" lastClr="000000"/>
+                  </a:solidFill>
+                  <a:cs typeface="Arial" pitchFamily="34" charset="0"/>
+                </a:rPr>
+                <a:t>타이머</a:t>
+              </a:r>
+            </a:p>
+          </p:txBody>
+        </p:sp>
+      </p:grpSp>
+      <p:grpSp>
+        <p:nvGrpSpPr>
+          <p:cNvPr id="48" name="Group 41">
+            <a:extLst>
+              <a:ext uri="{FF2B5EF4-FFF2-40B4-BE49-F238E27FC236}">
+                <a16:creationId xmlns:a16="http://schemas.microsoft.com/office/drawing/2014/main" id="{6E53DE3E-9901-41AA-8543-A1BE26006943}"/>
+              </a:ext>
+            </a:extLst>
+          </p:cNvPr>
+          <p:cNvGrpSpPr/>
+          <p:nvPr/>
+        </p:nvGrpSpPr>
+        <p:grpSpPr>
+          <a:xfrm>
+            <a:off x="137316" y="3116794"/>
+            <a:ext cx="1801466" cy="496821"/>
+            <a:chOff x="803640" y="3336957"/>
+            <a:chExt cx="2059657" cy="496821"/>
+          </a:xfrm>
+        </p:grpSpPr>
+        <p:sp>
+          <p:nvSpPr>
+            <p:cNvPr id="49" name="TextBox 48">
+              <a:extLst>
+                <a:ext uri="{FF2B5EF4-FFF2-40B4-BE49-F238E27FC236}">
+                  <a16:creationId xmlns:a16="http://schemas.microsoft.com/office/drawing/2014/main" id="{97DD7982-5F66-4F0A-ADB7-EA75EA34E582}"/>
+                </a:ext>
+              </a:extLst>
+            </p:cNvPr>
+            <p:cNvSpPr txBox="1"/>
+            <p:nvPr/>
+          </p:nvSpPr>
+          <p:spPr>
+            <a:xfrm>
+              <a:off x="803640" y="3579862"/>
+              <a:ext cx="2059657" cy="253916"/>
+            </a:xfrm>
+            <a:prstGeom prst="rect">
+              <a:avLst/>
+            </a:prstGeom>
+            <a:noFill/>
+          </p:spPr>
+          <p:txBody>
+            <a:bodyPr wrap="square" rtlCol="0">
+              <a:spAutoFit/>
+            </a:bodyPr>
+            <a:lstStyle/>
+            <a:p>
+              <a:r>
+                <a:rPr lang="en-US" altLang="ko-KR" sz="1050" dirty="0">
+                  <a:solidFill>
+                    <a:sysClr val="windowText" lastClr="000000"/>
+                  </a:solidFill>
+                  <a:cs typeface="Arial" pitchFamily="34" charset="0"/>
+                </a:rPr>
+                <a:t>- </a:t>
+              </a:r>
+              <a:r>
+                <a:rPr lang="ko-KR" altLang="en-US" sz="1050" dirty="0">
+                  <a:solidFill>
+                    <a:sysClr val="windowText" lastClr="000000"/>
+                  </a:solidFill>
+                  <a:cs typeface="Arial" pitchFamily="34" charset="0"/>
+                </a:rPr>
+                <a:t>폭탄 기술로 기술을 변경</a:t>
+              </a:r>
+              <a:endParaRPr lang="en-US" altLang="ko-KR" sz="1050" dirty="0">
+                <a:solidFill>
+                  <a:sysClr val="windowText" lastClr="000000"/>
+                </a:solidFill>
+                <a:cs typeface="Arial" pitchFamily="34" charset="0"/>
+              </a:endParaRPr>
+            </a:p>
+          </p:txBody>
+        </p:sp>
+        <p:sp>
+          <p:nvSpPr>
+            <p:cNvPr id="50" name="TextBox 49">
+              <a:extLst>
+                <a:ext uri="{FF2B5EF4-FFF2-40B4-BE49-F238E27FC236}">
+                  <a16:creationId xmlns:a16="http://schemas.microsoft.com/office/drawing/2014/main" id="{0AA95EE8-B86C-42C8-BECE-A838609E8F1F}"/>
+                </a:ext>
+              </a:extLst>
+            </p:cNvPr>
+            <p:cNvSpPr txBox="1"/>
+            <p:nvPr/>
+          </p:nvSpPr>
+          <p:spPr>
+            <a:xfrm>
+              <a:off x="803640" y="3336957"/>
+              <a:ext cx="2059657" cy="276999"/>
+            </a:xfrm>
+            <a:prstGeom prst="rect">
+              <a:avLst/>
+            </a:prstGeom>
+            <a:noFill/>
+          </p:spPr>
+          <p:txBody>
+            <a:bodyPr wrap="square" rtlCol="0">
+              <a:spAutoFit/>
+            </a:bodyPr>
+            <a:lstStyle/>
+            <a:p>
+              <a:r>
+                <a:rPr lang="ko-KR" altLang="en-US" sz="1200" b="1" dirty="0">
+                  <a:solidFill>
+                    <a:sysClr val="windowText" lastClr="000000"/>
+                  </a:solidFill>
+                  <a:cs typeface="Arial" pitchFamily="34" charset="0"/>
+                </a:rPr>
+                <a:t>폭탄 기술 버튼</a:t>
+              </a:r>
+            </a:p>
+          </p:txBody>
+        </p:sp>
+      </p:grpSp>
+      <p:sp>
+        <p:nvSpPr>
+          <p:cNvPr id="51" name="Oval 9">
+            <a:extLst>
+              <a:ext uri="{FF2B5EF4-FFF2-40B4-BE49-F238E27FC236}">
+                <a16:creationId xmlns:a16="http://schemas.microsoft.com/office/drawing/2014/main" id="{C871A071-9437-4312-AB47-1F74478D4370}"/>
+              </a:ext>
+            </a:extLst>
+          </p:cNvPr>
+          <p:cNvSpPr/>
+          <p:nvPr/>
+        </p:nvSpPr>
+        <p:spPr>
+          <a:xfrm>
+            <a:off x="3234927" y="3590861"/>
+            <a:ext cx="670485" cy="670485"/>
+          </a:xfrm>
+          <a:prstGeom prst="ellipse">
+            <a:avLst/>
+          </a:prstGeom>
+          <a:noFill/>
+          <a:ln w="38100">
+            <a:solidFill>
+              <a:srgbClr val="FF0000"/>
+            </a:solidFill>
+          </a:ln>
+        </p:spPr>
+        <p:style>
+          <a:lnRef idx="2">
+            <a:schemeClr val="accent1">
+              <a:shade val="50000"/>
+            </a:schemeClr>
+          </a:lnRef>
+          <a:fillRef idx="1">
+            <a:schemeClr val="accent1"/>
+          </a:fillRef>
+          <a:effectRef idx="0">
+            <a:schemeClr val="accent1"/>
+          </a:effectRef>
+          <a:fontRef idx="minor">
+            <a:schemeClr val="lt1"/>
+          </a:fontRef>
+        </p:style>
+        <p:txBody>
+          <a:bodyPr rtlCol="0" anchor="ctr"/>
+          <a:lstStyle/>
+          <a:p>
+            <a:pPr algn="ctr"/>
+            <a:endParaRPr lang="ko-KR" altLang="en-US" dirty="0">
+              <a:solidFill>
+                <a:sysClr val="windowText" lastClr="000000"/>
+              </a:solidFill>
+            </a:endParaRPr>
+          </a:p>
+        </p:txBody>
+      </p:sp>
+      <p:cxnSp>
+        <p:nvCxnSpPr>
+          <p:cNvPr id="52" name="Elbow Connector 25">
+            <a:extLst>
+              <a:ext uri="{FF2B5EF4-FFF2-40B4-BE49-F238E27FC236}">
+                <a16:creationId xmlns:a16="http://schemas.microsoft.com/office/drawing/2014/main" id="{F3A06859-3232-463A-96B5-A95CD57C79FF}"/>
+              </a:ext>
+            </a:extLst>
+          </p:cNvPr>
+          <p:cNvCxnSpPr>
+            <a:cxnSpLocks/>
+            <a:stCxn id="51" idx="2"/>
+          </p:cNvCxnSpPr>
+          <p:nvPr/>
+        </p:nvCxnSpPr>
+        <p:spPr>
+          <a:xfrm rot="10800000">
+            <a:off x="1938783" y="3511728"/>
+            <a:ext cx="1296144" cy="414377"/>
+          </a:xfrm>
+          <a:prstGeom prst="bentConnector3">
+            <a:avLst/>
+          </a:prstGeom>
+          <a:ln w="19050">
+            <a:solidFill>
+              <a:srgbClr val="FF0000"/>
+            </a:solidFill>
+            <a:tailEnd type="oval" w="lg" len="lg"/>
+          </a:ln>
+        </p:spPr>
+        <p:style>
+          <a:lnRef idx="1">
+            <a:schemeClr val="accent1"/>
+          </a:lnRef>
+          <a:fillRef idx="0">
+            <a:schemeClr val="accent1"/>
+          </a:fillRef>
+          <a:effectRef idx="0">
+            <a:schemeClr val="accent1"/>
+          </a:effectRef>
+          <a:fontRef idx="minor">
+            <a:schemeClr val="tx1"/>
+          </a:fontRef>
+        </p:style>
+      </p:cxnSp>
+      <p:sp>
+        <p:nvSpPr>
+          <p:cNvPr id="53" name="Oval 5">
+            <a:extLst>
+              <a:ext uri="{FF2B5EF4-FFF2-40B4-BE49-F238E27FC236}">
+                <a16:creationId xmlns:a16="http://schemas.microsoft.com/office/drawing/2014/main" id="{4217C95D-0B67-462E-93F7-0DD7F17F598B}"/>
+              </a:ext>
+            </a:extLst>
+          </p:cNvPr>
+          <p:cNvSpPr/>
+          <p:nvPr/>
+        </p:nvSpPr>
+        <p:spPr>
+          <a:xfrm>
+            <a:off x="5121563" y="2728042"/>
+            <a:ext cx="670485" cy="670485"/>
+          </a:xfrm>
+          <a:prstGeom prst="ellipse">
+            <a:avLst/>
+          </a:prstGeom>
+          <a:noFill/>
+          <a:ln w="38100">
+            <a:solidFill>
+              <a:srgbClr val="FF0000"/>
+            </a:solidFill>
+          </a:ln>
+        </p:spPr>
+        <p:style>
+          <a:lnRef idx="2">
+            <a:schemeClr val="accent1">
+              <a:shade val="50000"/>
+            </a:schemeClr>
+          </a:lnRef>
+          <a:fillRef idx="1">
+            <a:schemeClr val="accent1"/>
+          </a:fillRef>
+          <a:effectRef idx="0">
+            <a:schemeClr val="accent1"/>
+          </a:effectRef>
+          <a:fontRef idx="minor">
+            <a:schemeClr val="lt1"/>
+          </a:fontRef>
+        </p:style>
+        <p:txBody>
+          <a:bodyPr rtlCol="0" anchor="ctr"/>
+          <a:lstStyle/>
+          <a:p>
+            <a:pPr algn="ctr"/>
+            <a:endParaRPr lang="ko-KR" altLang="en-US" dirty="0">
+              <a:solidFill>
+                <a:sysClr val="windowText" lastClr="000000"/>
+              </a:solidFill>
+            </a:endParaRPr>
+          </a:p>
+        </p:txBody>
+      </p:sp>
+      <p:cxnSp>
+        <p:nvCxnSpPr>
+          <p:cNvPr id="54" name="Elbow Connector 11">
+            <a:extLst>
+              <a:ext uri="{FF2B5EF4-FFF2-40B4-BE49-F238E27FC236}">
+                <a16:creationId xmlns:a16="http://schemas.microsoft.com/office/drawing/2014/main" id="{5BB9122E-D864-40D0-B468-12B06DE30275}"/>
+              </a:ext>
+            </a:extLst>
+          </p:cNvPr>
+          <p:cNvCxnSpPr>
+            <a:stCxn id="53" idx="6"/>
+          </p:cNvCxnSpPr>
+          <p:nvPr/>
+        </p:nvCxnSpPr>
+        <p:spPr>
+          <a:xfrm>
+            <a:off x="5792048" y="3063285"/>
+            <a:ext cx="1201723" cy="557731"/>
+          </a:xfrm>
+          <a:prstGeom prst="bentConnector3">
+            <a:avLst>
+              <a:gd name="adj1" fmla="val 59331"/>
+            </a:avLst>
+          </a:prstGeom>
+          <a:ln w="19050">
+            <a:solidFill>
+              <a:srgbClr val="FF0000"/>
+            </a:solidFill>
+            <a:tailEnd type="oval" w="lg" len="lg"/>
+          </a:ln>
+        </p:spPr>
+        <p:style>
+          <a:lnRef idx="1">
+            <a:schemeClr val="accent1"/>
+          </a:lnRef>
+          <a:fillRef idx="0">
+            <a:schemeClr val="accent1"/>
+          </a:fillRef>
+          <a:effectRef idx="0">
+            <a:schemeClr val="accent1"/>
+          </a:effectRef>
+          <a:fontRef idx="minor">
+            <a:schemeClr val="tx1"/>
+          </a:fontRef>
+        </p:style>
+      </p:cxnSp>
+      <p:grpSp>
+        <p:nvGrpSpPr>
+          <p:cNvPr id="55" name="Group 41">
+            <a:extLst>
+              <a:ext uri="{FF2B5EF4-FFF2-40B4-BE49-F238E27FC236}">
+                <a16:creationId xmlns:a16="http://schemas.microsoft.com/office/drawing/2014/main" id="{289BF4FE-C54D-478F-B12C-3CCAB21FCF0A}"/>
+              </a:ext>
+            </a:extLst>
+          </p:cNvPr>
+          <p:cNvGrpSpPr/>
+          <p:nvPr/>
+        </p:nvGrpSpPr>
+        <p:grpSpPr>
+          <a:xfrm>
+            <a:off x="7083677" y="3281431"/>
+            <a:ext cx="1923008" cy="496821"/>
+            <a:chOff x="803640" y="3336957"/>
+            <a:chExt cx="2059657" cy="496821"/>
+          </a:xfrm>
+        </p:grpSpPr>
+        <p:sp>
+          <p:nvSpPr>
+            <p:cNvPr id="56" name="TextBox 55">
+              <a:extLst>
+                <a:ext uri="{FF2B5EF4-FFF2-40B4-BE49-F238E27FC236}">
+                  <a16:creationId xmlns:a16="http://schemas.microsoft.com/office/drawing/2014/main" id="{BC5B4FB2-D5BA-430A-8918-48CAB11290EE}"/>
+                </a:ext>
+              </a:extLst>
+            </p:cNvPr>
+            <p:cNvSpPr txBox="1"/>
+            <p:nvPr/>
+          </p:nvSpPr>
+          <p:spPr>
+            <a:xfrm>
+              <a:off x="803640" y="3579862"/>
+              <a:ext cx="2059657" cy="253916"/>
+            </a:xfrm>
+            <a:prstGeom prst="rect">
+              <a:avLst/>
+            </a:prstGeom>
+            <a:noFill/>
+          </p:spPr>
+          <p:txBody>
+            <a:bodyPr wrap="square" rtlCol="0">
+              <a:spAutoFit/>
+            </a:bodyPr>
+            <a:lstStyle/>
+            <a:p>
+              <a:pPr marL="171450" indent="-171450">
+                <a:buFontTx/>
+                <a:buChar char="-"/>
+              </a:pPr>
+              <a:r>
+                <a:rPr lang="ko-KR" altLang="en-US" sz="1050" dirty="0">
+                  <a:solidFill>
+                    <a:sysClr val="windowText" lastClr="000000"/>
+                  </a:solidFill>
+                  <a:cs typeface="Arial" pitchFamily="34" charset="0"/>
+                </a:rPr>
+                <a:t>척력 기술로 기술을 변경</a:t>
+              </a:r>
+              <a:endParaRPr lang="en-US" altLang="ko-KR" sz="1050" dirty="0">
+                <a:solidFill>
+                  <a:sysClr val="windowText" lastClr="000000"/>
+                </a:solidFill>
+                <a:cs typeface="Arial" pitchFamily="34" charset="0"/>
+              </a:endParaRPr>
+            </a:p>
+          </p:txBody>
+        </p:sp>
+        <p:sp>
+          <p:nvSpPr>
+            <p:cNvPr id="57" name="TextBox 56">
+              <a:extLst>
+                <a:ext uri="{FF2B5EF4-FFF2-40B4-BE49-F238E27FC236}">
+                  <a16:creationId xmlns:a16="http://schemas.microsoft.com/office/drawing/2014/main" id="{071178E8-7CFF-467C-A726-E86CDCBE6DE3}"/>
+                </a:ext>
+              </a:extLst>
+            </p:cNvPr>
+            <p:cNvSpPr txBox="1"/>
+            <p:nvPr/>
+          </p:nvSpPr>
+          <p:spPr>
+            <a:xfrm>
+              <a:off x="803640" y="3336957"/>
+              <a:ext cx="2059657" cy="276999"/>
+            </a:xfrm>
+            <a:prstGeom prst="rect">
+              <a:avLst/>
+            </a:prstGeom>
+            <a:noFill/>
+          </p:spPr>
+          <p:txBody>
+            <a:bodyPr wrap="square" rtlCol="0">
+              <a:spAutoFit/>
+            </a:bodyPr>
+            <a:lstStyle/>
+            <a:p>
+              <a:r>
+                <a:rPr lang="ko-KR" altLang="en-US" sz="1200" b="1" dirty="0">
+                  <a:solidFill>
+                    <a:sysClr val="windowText" lastClr="000000"/>
+                  </a:solidFill>
+                  <a:cs typeface="Arial" pitchFamily="34" charset="0"/>
+                </a:rPr>
+                <a:t>척력 기술 버튼</a:t>
+              </a:r>
+            </a:p>
+          </p:txBody>
+        </p:sp>
+      </p:grpSp>
+      <p:sp>
+        <p:nvSpPr>
+          <p:cNvPr id="58" name="Oval 5">
+            <a:extLst>
+              <a:ext uri="{FF2B5EF4-FFF2-40B4-BE49-F238E27FC236}">
+                <a16:creationId xmlns:a16="http://schemas.microsoft.com/office/drawing/2014/main" id="{585CBF01-9E43-4FBB-B566-B5D1CF715E12}"/>
+              </a:ext>
+            </a:extLst>
+          </p:cNvPr>
+          <p:cNvSpPr/>
+          <p:nvPr/>
+        </p:nvSpPr>
+        <p:spPr>
+          <a:xfrm>
+            <a:off x="4156621" y="2748120"/>
+            <a:ext cx="670485" cy="670485"/>
+          </a:xfrm>
+          <a:prstGeom prst="ellipse">
+            <a:avLst/>
+          </a:prstGeom>
+          <a:noFill/>
+          <a:ln w="38100">
+            <a:solidFill>
+              <a:srgbClr val="FF0000"/>
+            </a:solidFill>
+          </a:ln>
+        </p:spPr>
+        <p:style>
+          <a:lnRef idx="2">
+            <a:schemeClr val="accent1">
+              <a:shade val="50000"/>
+            </a:schemeClr>
+          </a:lnRef>
+          <a:fillRef idx="1">
+            <a:schemeClr val="accent1"/>
+          </a:fillRef>
+          <a:effectRef idx="0">
+            <a:schemeClr val="accent1"/>
+          </a:effectRef>
+          <a:fontRef idx="minor">
+            <a:schemeClr val="lt1"/>
+          </a:fontRef>
+        </p:style>
+        <p:txBody>
+          <a:bodyPr rtlCol="0" anchor="ctr"/>
+          <a:lstStyle/>
+          <a:p>
+            <a:pPr algn="ctr"/>
+            <a:endParaRPr lang="ko-KR" altLang="en-US" dirty="0">
+              <a:solidFill>
+                <a:sysClr val="windowText" lastClr="000000"/>
+              </a:solidFill>
+            </a:endParaRPr>
+          </a:p>
+        </p:txBody>
+      </p:sp>
+      <p:cxnSp>
+        <p:nvCxnSpPr>
+          <p:cNvPr id="59" name="Elbow Connector 11">
+            <a:extLst>
+              <a:ext uri="{FF2B5EF4-FFF2-40B4-BE49-F238E27FC236}">
+                <a16:creationId xmlns:a16="http://schemas.microsoft.com/office/drawing/2014/main" id="{080A4409-34F8-49EA-9432-69A3011DA36E}"/>
+              </a:ext>
+            </a:extLst>
+          </p:cNvPr>
+          <p:cNvCxnSpPr>
+            <a:cxnSpLocks/>
+            <a:stCxn id="58" idx="0"/>
+          </p:cNvCxnSpPr>
+          <p:nvPr/>
+        </p:nvCxnSpPr>
+        <p:spPr>
+          <a:xfrm rot="5400000" flipH="1" flipV="1">
+            <a:off x="5425767" y="1400429"/>
+            <a:ext cx="413788" cy="2281595"/>
+          </a:xfrm>
+          <a:prstGeom prst="bentConnector2">
+            <a:avLst/>
+          </a:prstGeom>
+          <a:ln w="19050">
+            <a:solidFill>
+              <a:srgbClr val="FF0000"/>
+            </a:solidFill>
+            <a:tailEnd type="oval" w="lg" len="lg"/>
+          </a:ln>
+        </p:spPr>
+        <p:style>
+          <a:lnRef idx="1">
+            <a:schemeClr val="accent1"/>
+          </a:lnRef>
+          <a:fillRef idx="0">
+            <a:schemeClr val="accent1"/>
+          </a:fillRef>
+          <a:effectRef idx="0">
+            <a:schemeClr val="accent1"/>
+          </a:effectRef>
+          <a:fontRef idx="minor">
+            <a:schemeClr val="tx1"/>
+          </a:fontRef>
+        </p:style>
+      </p:cxnSp>
+      <p:grpSp>
+        <p:nvGrpSpPr>
+          <p:cNvPr id="60" name="Group 41">
+            <a:extLst>
+              <a:ext uri="{FF2B5EF4-FFF2-40B4-BE49-F238E27FC236}">
+                <a16:creationId xmlns:a16="http://schemas.microsoft.com/office/drawing/2014/main" id="{556F513A-0C7C-490F-9BD5-4F3157ADE7A9}"/>
+              </a:ext>
+            </a:extLst>
+          </p:cNvPr>
+          <p:cNvGrpSpPr/>
+          <p:nvPr/>
+        </p:nvGrpSpPr>
+        <p:grpSpPr>
+          <a:xfrm>
+            <a:off x="6895264" y="2100480"/>
+            <a:ext cx="1923008" cy="496821"/>
+            <a:chOff x="803640" y="3336957"/>
+            <a:chExt cx="2059657" cy="496821"/>
+          </a:xfrm>
+        </p:grpSpPr>
+        <p:sp>
+          <p:nvSpPr>
+            <p:cNvPr id="61" name="TextBox 60">
+              <a:extLst>
+                <a:ext uri="{FF2B5EF4-FFF2-40B4-BE49-F238E27FC236}">
+                  <a16:creationId xmlns:a16="http://schemas.microsoft.com/office/drawing/2014/main" id="{E0B2490E-08F6-4C78-87F9-8CB1C1BA93EF}"/>
+                </a:ext>
+              </a:extLst>
+            </p:cNvPr>
+            <p:cNvSpPr txBox="1"/>
+            <p:nvPr/>
+          </p:nvSpPr>
+          <p:spPr>
+            <a:xfrm>
+              <a:off x="803640" y="3579862"/>
+              <a:ext cx="2059657" cy="253916"/>
+            </a:xfrm>
+            <a:prstGeom prst="rect">
+              <a:avLst/>
+            </a:prstGeom>
+            <a:noFill/>
+          </p:spPr>
+          <p:txBody>
+            <a:bodyPr wrap="square" rtlCol="0">
+              <a:spAutoFit/>
+            </a:bodyPr>
+            <a:lstStyle/>
+            <a:p>
+              <a:pPr marL="171450" indent="-171450">
+                <a:buFontTx/>
+                <a:buChar char="-"/>
+              </a:pPr>
+              <a:r>
+                <a:rPr lang="ko-KR" altLang="en-US" sz="1050" dirty="0">
+                  <a:solidFill>
+                    <a:sysClr val="windowText" lastClr="000000"/>
+                  </a:solidFill>
+                  <a:cs typeface="Arial" pitchFamily="34" charset="0"/>
+                </a:rPr>
+                <a:t>인력 기술로 기술을 변경</a:t>
+              </a:r>
+              <a:endParaRPr lang="en-US" altLang="ko-KR" sz="1050" dirty="0">
+                <a:solidFill>
+                  <a:sysClr val="windowText" lastClr="000000"/>
+                </a:solidFill>
+                <a:cs typeface="Arial" pitchFamily="34" charset="0"/>
+              </a:endParaRPr>
+            </a:p>
+          </p:txBody>
+        </p:sp>
+        <p:sp>
+          <p:nvSpPr>
+            <p:cNvPr id="62" name="TextBox 61">
+              <a:extLst>
+                <a:ext uri="{FF2B5EF4-FFF2-40B4-BE49-F238E27FC236}">
+                  <a16:creationId xmlns:a16="http://schemas.microsoft.com/office/drawing/2014/main" id="{716C15D9-4A67-461B-9AEE-5E9081B3E6C8}"/>
+                </a:ext>
+              </a:extLst>
+            </p:cNvPr>
+            <p:cNvSpPr txBox="1"/>
+            <p:nvPr/>
+          </p:nvSpPr>
+          <p:spPr>
+            <a:xfrm>
+              <a:off x="803640" y="3336957"/>
+              <a:ext cx="2059657" cy="276999"/>
+            </a:xfrm>
+            <a:prstGeom prst="rect">
+              <a:avLst/>
+            </a:prstGeom>
+            <a:noFill/>
+          </p:spPr>
+          <p:txBody>
+            <a:bodyPr wrap="square" rtlCol="0">
+              <a:spAutoFit/>
+            </a:bodyPr>
+            <a:lstStyle/>
+            <a:p>
+              <a:r>
+                <a:rPr lang="ko-KR" altLang="en-US" sz="1200" b="1" dirty="0">
+                  <a:solidFill>
+                    <a:sysClr val="windowText" lastClr="000000"/>
+                  </a:solidFill>
+                  <a:cs typeface="Arial" pitchFamily="34" charset="0"/>
+                </a:rPr>
+                <a:t>인력 기술 버튼</a:t>
+              </a:r>
+            </a:p>
+          </p:txBody>
+        </p:sp>
+      </p:grpSp>
+      <p:sp>
+        <p:nvSpPr>
+          <p:cNvPr id="19" name="타원 18">
+            <a:extLst>
+              <a:ext uri="{FF2B5EF4-FFF2-40B4-BE49-F238E27FC236}">
+                <a16:creationId xmlns:a16="http://schemas.microsoft.com/office/drawing/2014/main" id="{6FA427A1-679A-44AE-A411-356F00E7FAC4}"/>
+              </a:ext>
+            </a:extLst>
+          </p:cNvPr>
+          <p:cNvSpPr/>
+          <p:nvPr/>
+        </p:nvSpPr>
+        <p:spPr>
+          <a:xfrm>
+            <a:off x="2872397" y="2238979"/>
             <a:ext cx="394283" cy="394283"/>
           </a:xfrm>
           <a:prstGeom prst="ellipse">
@@ -8564,78 +10414,10 @@
       </p:sp>
       <p:sp>
         <p:nvSpPr>
-          <p:cNvPr id="5" name="TextBox 4">
-            <a:extLst>
-              <a:ext uri="{FF2B5EF4-FFF2-40B4-BE49-F238E27FC236}">
-                <a16:creationId xmlns:a16="http://schemas.microsoft.com/office/drawing/2014/main" id="{E358A58D-9678-4366-9CE1-FB28337B2E3C}"/>
-              </a:ext>
-            </a:extLst>
-          </p:cNvPr>
-          <p:cNvSpPr txBox="1"/>
-          <p:nvPr/>
-        </p:nvSpPr>
-        <p:spPr>
-          <a:xfrm>
-            <a:off x="233558" y="5439282"/>
-            <a:ext cx="8994331" cy="738664"/>
-          </a:xfrm>
-          <a:prstGeom prst="rect">
-            <a:avLst/>
-          </a:prstGeom>
-          <a:noFill/>
-        </p:spPr>
-        <p:txBody>
-          <a:bodyPr wrap="square" rtlCol="0">
-            <a:spAutoFit/>
-          </a:bodyPr>
-          <a:lstStyle/>
-          <a:p>
-            <a:pPr marL="342900" indent="-342900">
-              <a:buAutoNum type="arabicPeriod"/>
-            </a:pPr>
-            <a:r>
-              <a:rPr lang="ko-KR" altLang="en-US" sz="1400" dirty="0"/>
-              <a:t>패널은 플레이어의 왼 손에 고정되어 붙어있다</a:t>
-            </a:r>
-            <a:r>
-              <a:rPr lang="en-US" altLang="ko-KR" sz="1400" dirty="0"/>
-              <a:t>.</a:t>
-            </a:r>
-          </a:p>
-          <a:p>
-            <a:pPr marL="342900" indent="-342900">
-              <a:buAutoNum type="arabicPeriod"/>
-            </a:pPr>
-            <a:r>
-              <a:rPr lang="ko-KR" altLang="en-US" sz="1400" dirty="0"/>
-              <a:t>버튼들은 오른 손으로 클릭한다</a:t>
-            </a:r>
-            <a:r>
-              <a:rPr lang="en-US" altLang="ko-KR" sz="1400" dirty="0"/>
-              <a:t>.</a:t>
-            </a:r>
-          </a:p>
-          <a:p>
-            <a:pPr marL="342900" indent="-342900">
-              <a:buAutoNum type="arabicPeriod"/>
-            </a:pPr>
-            <a:r>
-              <a:rPr lang="ko-KR" altLang="en-US" sz="1400" dirty="0"/>
-              <a:t>타이머는 현재 스테이지의 제한 시간을 표시한다</a:t>
-            </a:r>
-            <a:r>
-              <a:rPr lang="en-US" altLang="ko-KR" sz="1400" dirty="0"/>
-              <a:t>.</a:t>
-            </a:r>
-          </a:p>
-        </p:txBody>
-      </p:sp>
-      <p:sp>
-        <p:nvSpPr>
-          <p:cNvPr id="9" name="타원 8">
-            <a:extLst>
-              <a:ext uri="{FF2B5EF4-FFF2-40B4-BE49-F238E27FC236}">
-                <a16:creationId xmlns:a16="http://schemas.microsoft.com/office/drawing/2014/main" id="{E98E0156-1649-47C0-8EF2-AF55E94162EC}"/>
+          <p:cNvPr id="26" name="타원 25">
+            <a:extLst>
+              <a:ext uri="{FF2B5EF4-FFF2-40B4-BE49-F238E27FC236}">
+                <a16:creationId xmlns:a16="http://schemas.microsoft.com/office/drawing/2014/main" id="{B5D4FD4E-9F77-4B5D-82D9-112FB1BF9594}"/>
               </a:ext>
             </a:extLst>
           </p:cNvPr>
@@ -8644,270 +10426,7 @@
         </p:nvSpPr>
         <p:spPr>
           <a:xfrm>
-            <a:off x="2575420" y="1400961"/>
-            <a:ext cx="4664279" cy="3464654"/>
-          </a:xfrm>
-          <a:prstGeom prst="ellipse">
-            <a:avLst/>
-          </a:prstGeom>
-          <a:noFill/>
-          <a:ln>
-            <a:solidFill>
-              <a:schemeClr val="tx1">
-                <a:lumMod val="95000"/>
-                <a:lumOff val="5000"/>
-              </a:schemeClr>
-            </a:solidFill>
-          </a:ln>
-        </p:spPr>
-        <p:style>
-          <a:lnRef idx="2">
-            <a:schemeClr val="accent1">
-              <a:shade val="50000"/>
-            </a:schemeClr>
-          </a:lnRef>
-          <a:fillRef idx="1">
-            <a:schemeClr val="accent1"/>
-          </a:fillRef>
-          <a:effectRef idx="0">
-            <a:schemeClr val="accent1"/>
-          </a:effectRef>
-          <a:fontRef idx="minor">
-            <a:schemeClr val="lt1"/>
-          </a:fontRef>
-        </p:style>
-        <p:txBody>
-          <a:bodyPr rtlCol="0" anchor="ctr"/>
-          <a:lstStyle/>
-          <a:p>
-            <a:pPr algn="ctr"/>
-            <a:endParaRPr lang="ko-KR" altLang="en-US"/>
-          </a:p>
-        </p:txBody>
-      </p:sp>
-      <p:sp>
-        <p:nvSpPr>
-          <p:cNvPr id="10" name="타원 9">
-            <a:extLst>
-              <a:ext uri="{FF2B5EF4-FFF2-40B4-BE49-F238E27FC236}">
-                <a16:creationId xmlns:a16="http://schemas.microsoft.com/office/drawing/2014/main" id="{E4E57BBC-4D0C-4B0B-8155-B17F38B981F5}"/>
-              </a:ext>
-            </a:extLst>
-          </p:cNvPr>
-          <p:cNvSpPr/>
-          <p:nvPr/>
-        </p:nvSpPr>
-        <p:spPr>
-          <a:xfrm>
-            <a:off x="2936147" y="2578403"/>
-            <a:ext cx="721453" cy="721453"/>
-          </a:xfrm>
-          <a:prstGeom prst="ellipse">
-            <a:avLst/>
-          </a:prstGeom>
-          <a:noFill/>
-          <a:ln>
-            <a:solidFill>
-              <a:srgbClr val="92D050"/>
-            </a:solidFill>
-          </a:ln>
-        </p:spPr>
-        <p:style>
-          <a:lnRef idx="2">
-            <a:schemeClr val="accent1">
-              <a:shade val="50000"/>
-            </a:schemeClr>
-          </a:lnRef>
-          <a:fillRef idx="1">
-            <a:schemeClr val="accent1"/>
-          </a:fillRef>
-          <a:effectRef idx="0">
-            <a:schemeClr val="accent1"/>
-          </a:effectRef>
-          <a:fontRef idx="minor">
-            <a:schemeClr val="lt1"/>
-          </a:fontRef>
-        </p:style>
-        <p:txBody>
-          <a:bodyPr rtlCol="0" anchor="ctr"/>
-          <a:lstStyle/>
-          <a:p>
-            <a:pPr algn="ctr"/>
-            <a:endParaRPr lang="ko-KR" altLang="en-US"/>
-          </a:p>
-        </p:txBody>
-      </p:sp>
-      <p:sp>
-        <p:nvSpPr>
-          <p:cNvPr id="23" name="타원 22">
-            <a:extLst>
-              <a:ext uri="{FF2B5EF4-FFF2-40B4-BE49-F238E27FC236}">
-                <a16:creationId xmlns:a16="http://schemas.microsoft.com/office/drawing/2014/main" id="{F41FDB9C-43F6-4B29-8069-01D440A6AA40}"/>
-              </a:ext>
-            </a:extLst>
-          </p:cNvPr>
-          <p:cNvSpPr/>
-          <p:nvPr/>
-        </p:nvSpPr>
-        <p:spPr>
-          <a:xfrm>
-            <a:off x="6073630" y="2578403"/>
-            <a:ext cx="721453" cy="721453"/>
-          </a:xfrm>
-          <a:prstGeom prst="ellipse">
-            <a:avLst/>
-          </a:prstGeom>
-          <a:noFill/>
-          <a:ln>
-            <a:solidFill>
-              <a:srgbClr val="FF0000"/>
-            </a:solidFill>
-          </a:ln>
-        </p:spPr>
-        <p:style>
-          <a:lnRef idx="2">
-            <a:schemeClr val="accent1">
-              <a:shade val="50000"/>
-            </a:schemeClr>
-          </a:lnRef>
-          <a:fillRef idx="1">
-            <a:schemeClr val="accent1"/>
-          </a:fillRef>
-          <a:effectRef idx="0">
-            <a:schemeClr val="accent1"/>
-          </a:effectRef>
-          <a:fontRef idx="minor">
-            <a:schemeClr val="lt1"/>
-          </a:fontRef>
-        </p:style>
-        <p:txBody>
-          <a:bodyPr rtlCol="0" anchor="ctr"/>
-          <a:lstStyle/>
-          <a:p>
-            <a:pPr algn="ctr"/>
-            <a:endParaRPr lang="ko-KR" altLang="en-US"/>
-          </a:p>
-        </p:txBody>
-      </p:sp>
-      <p:sp>
-        <p:nvSpPr>
-          <p:cNvPr id="24" name="타원 23">
-            <a:extLst>
-              <a:ext uri="{FF2B5EF4-FFF2-40B4-BE49-F238E27FC236}">
-                <a16:creationId xmlns:a16="http://schemas.microsoft.com/office/drawing/2014/main" id="{42B7170D-D5E6-4BA3-92B5-17BDDAE3805F}"/>
-              </a:ext>
-            </a:extLst>
-          </p:cNvPr>
-          <p:cNvSpPr/>
-          <p:nvPr/>
-        </p:nvSpPr>
-        <p:spPr>
-          <a:xfrm>
-            <a:off x="3981975" y="1758378"/>
-            <a:ext cx="721453" cy="721453"/>
-          </a:xfrm>
-          <a:prstGeom prst="ellipse">
-            <a:avLst/>
-          </a:prstGeom>
-          <a:noFill/>
-          <a:ln>
-            <a:solidFill>
-              <a:srgbClr val="00B050"/>
-            </a:solidFill>
-          </a:ln>
-        </p:spPr>
-        <p:style>
-          <a:lnRef idx="2">
-            <a:schemeClr val="accent1">
-              <a:shade val="50000"/>
-            </a:schemeClr>
-          </a:lnRef>
-          <a:fillRef idx="1">
-            <a:schemeClr val="accent1"/>
-          </a:fillRef>
-          <a:effectRef idx="0">
-            <a:schemeClr val="accent1"/>
-          </a:effectRef>
-          <a:fontRef idx="minor">
-            <a:schemeClr val="lt1"/>
-          </a:fontRef>
-        </p:style>
-        <p:txBody>
-          <a:bodyPr rtlCol="0" anchor="ctr"/>
-          <a:lstStyle/>
-          <a:p>
-            <a:pPr algn="ctr"/>
-            <a:endParaRPr lang="ko-KR" altLang="en-US"/>
-          </a:p>
-        </p:txBody>
-      </p:sp>
-      <p:sp>
-        <p:nvSpPr>
-          <p:cNvPr id="25" name="타원 24">
-            <a:extLst>
-              <a:ext uri="{FF2B5EF4-FFF2-40B4-BE49-F238E27FC236}">
-                <a16:creationId xmlns:a16="http://schemas.microsoft.com/office/drawing/2014/main" id="{5B427845-9F4F-4E40-BBBD-C5DE883231B5}"/>
-              </a:ext>
-            </a:extLst>
-          </p:cNvPr>
-          <p:cNvSpPr/>
-          <p:nvPr/>
-        </p:nvSpPr>
-        <p:spPr>
-          <a:xfrm>
-            <a:off x="5027803" y="1758377"/>
-            <a:ext cx="721453" cy="721453"/>
-          </a:xfrm>
-          <a:prstGeom prst="ellipse">
-            <a:avLst/>
-          </a:prstGeom>
-          <a:noFill/>
-          <a:ln>
-            <a:solidFill>
-              <a:srgbClr val="0070C0"/>
-            </a:solidFill>
-          </a:ln>
-        </p:spPr>
-        <p:style>
-          <a:lnRef idx="2">
-            <a:schemeClr val="accent1">
-              <a:shade val="50000"/>
-            </a:schemeClr>
-          </a:lnRef>
-          <a:fillRef idx="1">
-            <a:schemeClr val="accent1"/>
-          </a:fillRef>
-          <a:effectRef idx="0">
-            <a:schemeClr val="accent1"/>
-          </a:effectRef>
-          <a:fontRef idx="minor">
-            <a:schemeClr val="lt1"/>
-          </a:fontRef>
-        </p:style>
-        <p:txBody>
-          <a:bodyPr rtlCol="0" anchor="ctr"/>
-          <a:lstStyle/>
-          <a:p>
-            <a:pPr algn="ctr"/>
-            <a:endParaRPr lang="ko-KR" altLang="en-US"/>
-          </a:p>
-        </p:txBody>
-      </p:sp>
-      <p:sp>
-        <p:nvSpPr>
-          <p:cNvPr id="26" name="타원 25">
-            <a:extLst>
-              <a:ext uri="{FF2B5EF4-FFF2-40B4-BE49-F238E27FC236}">
-                <a16:creationId xmlns:a16="http://schemas.microsoft.com/office/drawing/2014/main" id="{B5D4FD4E-9F77-4B5D-82D9-112FB1BF9594}"/>
-              </a:ext>
-            </a:extLst>
-          </p:cNvPr>
-          <p:cNvSpPr/>
-          <p:nvPr/>
-        </p:nvSpPr>
-        <p:spPr>
-          <a:xfrm>
-            <a:off x="2666300" y="2479830"/>
+            <a:off x="3175886" y="2569058"/>
             <a:ext cx="394283" cy="394283"/>
           </a:xfrm>
           <a:prstGeom prst="ellipse">
@@ -8973,7 +10492,7 @@
         </p:nvSpPr>
         <p:spPr>
           <a:xfrm>
-            <a:off x="3789026" y="1666980"/>
+            <a:off x="3202371" y="3445372"/>
             <a:ext cx="394283" cy="394283"/>
           </a:xfrm>
           <a:prstGeom prst="ellipse">
@@ -9039,7 +10558,7 @@
         </p:nvSpPr>
         <p:spPr>
           <a:xfrm>
-            <a:off x="4966282" y="1666979"/>
+            <a:off x="4060710" y="2600828"/>
             <a:ext cx="394283" cy="394283"/>
           </a:xfrm>
           <a:prstGeom prst="ellipse">
@@ -9105,7 +10624,7 @@
         </p:nvSpPr>
         <p:spPr>
           <a:xfrm>
-            <a:off x="5989737" y="2479829"/>
+            <a:off x="4997540" y="2625628"/>
             <a:ext cx="394283" cy="394283"/>
           </a:xfrm>
           <a:prstGeom prst="ellipse">
@@ -9159,40 +10678,66 @@
       </p:sp>
       <p:sp>
         <p:nvSpPr>
-          <p:cNvPr id="4" name="TextBox 3">
-            <a:extLst>
-              <a:ext uri="{FF2B5EF4-FFF2-40B4-BE49-F238E27FC236}">
-                <a16:creationId xmlns:a16="http://schemas.microsoft.com/office/drawing/2014/main" id="{F381FEC9-C383-4212-9372-9141C05EB19A}"/>
-              </a:ext>
-            </a:extLst>
-          </p:cNvPr>
-          <p:cNvSpPr txBox="1"/>
+          <p:cNvPr id="63" name="타원 62">
+            <a:extLst>
+              <a:ext uri="{FF2B5EF4-FFF2-40B4-BE49-F238E27FC236}">
+                <a16:creationId xmlns:a16="http://schemas.microsoft.com/office/drawing/2014/main" id="{F49E105D-DA9C-476D-A2A4-2A2F9D7C5A8F}"/>
+              </a:ext>
+            </a:extLst>
+          </p:cNvPr>
+          <p:cNvSpPr/>
           <p:nvPr/>
         </p:nvSpPr>
         <p:spPr>
           <a:xfrm>
-            <a:off x="4018327" y="3206393"/>
-            <a:ext cx="1646605" cy="1015663"/>
+            <a:off x="4412333" y="3458035"/>
+            <a:ext cx="394283" cy="394283"/>
           </a:xfrm>
-          <a:prstGeom prst="rect">
+          <a:prstGeom prst="ellipse">
             <a:avLst/>
           </a:prstGeom>
-          <a:noFill/>
+          <a:solidFill>
+            <a:schemeClr val="bg1"/>
+          </a:solidFill>
+          <a:ln w="28575">
+            <a:solidFill>
+              <a:schemeClr val="tx1"/>
+            </a:solidFill>
+          </a:ln>
         </p:spPr>
+        <p:style>
+          <a:lnRef idx="2">
+            <a:schemeClr val="accent1">
+              <a:shade val="50000"/>
+            </a:schemeClr>
+          </a:lnRef>
+          <a:fillRef idx="1">
+            <a:schemeClr val="accent1"/>
+          </a:fillRef>
+          <a:effectRef idx="0">
+            <a:schemeClr val="accent1"/>
+          </a:effectRef>
+          <a:fontRef idx="minor">
+            <a:schemeClr val="lt1"/>
+          </a:fontRef>
+        </p:style>
         <p:txBody>
-          <a:bodyPr wrap="none" rtlCol="0">
-            <a:spAutoFit/>
-          </a:bodyPr>
+          <a:bodyPr rtlCol="0" anchor="ctr"/>
           <a:lstStyle/>
           <a:p>
-            <a:r>
-              <a:rPr lang="en-US" altLang="ko-KR" sz="6000" dirty="0">
-                <a:latin typeface="Agency FB" panose="020B0503020202020204" pitchFamily="34" charset="0"/>
+            <a:pPr algn="ctr"/>
+            <a:r>
+              <a:rPr lang="en-US" altLang="ko-KR" dirty="0">
+                <a:solidFill>
+                  <a:schemeClr val="tx1"/>
+                </a:solidFill>
               </a:rPr>
-              <a:t>00:00</a:t>
-            </a:r>
-            <a:endParaRPr lang="ko-KR" altLang="en-US" sz="6000" dirty="0">
-              <a:latin typeface="Agency FB" panose="020B0503020202020204" pitchFamily="34" charset="0"/>
+              <a:t>6</a:t>
+            </a:r>
+            <a:endParaRPr lang="ko-KR" altLang="en-US" dirty="0">
+              <a:solidFill>
+                <a:schemeClr val="tx1"/>
+              </a:solidFill>
             </a:endParaRPr>
           </a:p>
         </p:txBody>
